--- a/documents/milestone3/Project Design Presentation.pptx
+++ b/documents/milestone3/Project Design Presentation.pptx
@@ -5,7 +5,7 @@
     <p:sldMasterId id="2147483708" r:id="rId1"/>
   </p:sldMasterIdLst>
   <p:notesMasterIdLst>
-    <p:notesMasterId r:id="rId10"/>
+    <p:notesMasterId r:id="rId9"/>
   </p:notesMasterIdLst>
   <p:sldIdLst>
     <p:sldId id="256" r:id="rId2"/>
@@ -13,9 +13,8 @@
     <p:sldId id="262" r:id="rId4"/>
     <p:sldId id="263" r:id="rId5"/>
     <p:sldId id="264" r:id="rId6"/>
-    <p:sldId id="265" r:id="rId7"/>
-    <p:sldId id="259" r:id="rId8"/>
-    <p:sldId id="261" r:id="rId9"/>
+    <p:sldId id="259" r:id="rId7"/>
+    <p:sldId id="261" r:id="rId8"/>
   </p:sldIdLst>
   <p:sldSz cx="12192000" cy="6858000"/>
   <p:notesSz cx="6858000" cy="9144000"/>
@@ -208,7 +207,7 @@
           <a:p>
             <a:fld id="{996702D7-FFC7-4541-8679-A800B838F073}" type="datetimeFigureOut">
               <a:rPr lang="en-US" smtClean="0"/>
-              <a:t>11/20/2017</a:t>
+              <a:t>11/20/17</a:t>
             </a:fld>
             <a:endParaRPr lang="en-US"/>
           </a:p>
@@ -366,7 +365,7 @@
           <a:p>
             <a:fld id="{A4838B1D-A33A-4C45-A183-851BF801C5ED}" type="slidenum">
               <a:rPr lang="en-US" smtClean="0"/>
-              <a:t>‹Nr.›</a:t>
+              <a:t>‹#›</a:t>
             </a:fld>
             <a:endParaRPr lang="en-US"/>
           </a:p>
@@ -475,6 +474,90 @@
 </p:notesMaster>
 </file>
 
+<file path=ppt/notesSlides/notesSlide1.xml><?xml version="1.0" encoding="utf-8"?>
+<p:notes xmlns:a="http://schemas.openxmlformats.org/drawingml/2006/main" xmlns:r="http://schemas.openxmlformats.org/officeDocument/2006/relationships" xmlns:p="http://schemas.openxmlformats.org/presentationml/2006/main">
+  <p:cSld>
+    <p:spTree>
+      <p:nvGrpSpPr>
+        <p:cNvPr id="1" name=""/>
+        <p:cNvGrpSpPr/>
+        <p:nvPr/>
+      </p:nvGrpSpPr>
+      <p:grpSpPr>
+        <a:xfrm>
+          <a:off x="0" y="0"/>
+          <a:ext cx="0" cy="0"/>
+          <a:chOff x="0" y="0"/>
+          <a:chExt cx="0" cy="0"/>
+        </a:xfrm>
+      </p:grpSpPr>
+      <p:sp>
+        <p:nvSpPr>
+          <p:cNvPr id="2" name="Slide Image Placeholder 1"/>
+          <p:cNvSpPr>
+            <a:spLocks noGrp="1" noRot="1" noChangeAspect="1"/>
+          </p:cNvSpPr>
+          <p:nvPr>
+            <p:ph type="sldImg"/>
+          </p:nvPr>
+        </p:nvSpPr>
+        <p:spPr/>
+      </p:sp>
+      <p:sp>
+        <p:nvSpPr>
+          <p:cNvPr id="3" name="Notes Placeholder 2"/>
+          <p:cNvSpPr>
+            <a:spLocks noGrp="1"/>
+          </p:cNvSpPr>
+          <p:nvPr>
+            <p:ph type="body" idx="1"/>
+          </p:nvPr>
+        </p:nvSpPr>
+        <p:spPr/>
+        <p:txBody>
+          <a:bodyPr/>
+          <a:lstStyle/>
+          <a:p>
+            <a:endParaRPr lang="en-US"/>
+          </a:p>
+        </p:txBody>
+      </p:sp>
+      <p:sp>
+        <p:nvSpPr>
+          <p:cNvPr id="4" name="Slide Number Placeholder 3"/>
+          <p:cNvSpPr>
+            <a:spLocks noGrp="1"/>
+          </p:cNvSpPr>
+          <p:nvPr>
+            <p:ph type="sldNum" sz="quarter" idx="10"/>
+          </p:nvPr>
+        </p:nvSpPr>
+        <p:spPr/>
+        <p:txBody>
+          <a:bodyPr/>
+          <a:lstStyle/>
+          <a:p>
+            <a:fld id="{A4838B1D-A33A-4C45-A183-851BF801C5ED}" type="slidenum">
+              <a:rPr lang="en-US" smtClean="0"/>
+              <a:t>2</a:t>
+            </a:fld>
+            <a:endParaRPr lang="en-US"/>
+          </a:p>
+        </p:txBody>
+      </p:sp>
+    </p:spTree>
+    <p:extLst>
+      <p:ext uri="{BB962C8B-B14F-4D97-AF65-F5344CB8AC3E}">
+        <p14:creationId xmlns:p14="http://schemas.microsoft.com/office/powerpoint/2010/main" val="305427657"/>
+      </p:ext>
+    </p:extLst>
+  </p:cSld>
+  <p:clrMapOvr>
+    <a:masterClrMapping/>
+  </p:clrMapOvr>
+</p:notes>
+</file>
+
 <file path=ppt/slideLayouts/slideLayout1.xml><?xml version="1.0" encoding="utf-8"?>
 <p:sldLayout xmlns:a="http://schemas.openxmlformats.org/drawingml/2006/main" xmlns:r="http://schemas.openxmlformats.org/officeDocument/2006/relationships" xmlns:p="http://schemas.openxmlformats.org/presentationml/2006/main" showMasterSp="0" type="title" preserve="1">
   <p:cSld name="Titelfolie">
@@ -633,7 +716,7 @@
           <a:p>
             <a:fld id="{92B3D0C1-4C55-4174-ACB6-FE14EF983A6D}" type="datetimeFigureOut">
               <a:rPr lang="de-CH" smtClean="0"/>
-              <a:t>20.11.2017</a:t>
+              <a:t>20.11.17</a:t>
             </a:fld>
             <a:endParaRPr lang="de-CH"/>
           </a:p>
@@ -695,7 +778,7 @@
           <a:p>
             <a:fld id="{216A1CAF-9D75-4D9A-A163-4634AE7ED004}" type="slidenum">
               <a:rPr lang="de-CH" smtClean="0"/>
-              <a:t>‹Nr.›</a:t>
+              <a:t>‹#›</a:t>
             </a:fld>
             <a:endParaRPr lang="de-CH"/>
           </a:p>
@@ -861,7 +944,7 @@
           <a:p>
             <a:fld id="{92B3D0C1-4C55-4174-ACB6-FE14EF983A6D}" type="datetimeFigureOut">
               <a:rPr lang="de-CH" smtClean="0"/>
-              <a:t>20.11.2017</a:t>
+              <a:t>20.11.17</a:t>
             </a:fld>
             <a:endParaRPr lang="de-CH"/>
           </a:p>
@@ -903,7 +986,7 @@
           <a:p>
             <a:fld id="{216A1CAF-9D75-4D9A-A163-4634AE7ED004}" type="slidenum">
               <a:rPr lang="de-CH" smtClean="0"/>
-              <a:t>‹Nr.›</a:t>
+              <a:t>‹#›</a:t>
             </a:fld>
             <a:endParaRPr lang="de-CH"/>
           </a:p>
@@ -1041,7 +1124,7 @@
           <a:p>
             <a:fld id="{92B3D0C1-4C55-4174-ACB6-FE14EF983A6D}" type="datetimeFigureOut">
               <a:rPr lang="de-CH" smtClean="0"/>
-              <a:t>20.11.2017</a:t>
+              <a:t>20.11.17</a:t>
             </a:fld>
             <a:endParaRPr lang="de-CH"/>
           </a:p>
@@ -1083,7 +1166,7 @@
           <a:p>
             <a:fld id="{216A1CAF-9D75-4D9A-A163-4634AE7ED004}" type="slidenum">
               <a:rPr lang="de-CH" smtClean="0"/>
-              <a:t>‹Nr.›</a:t>
+              <a:t>‹#›</a:t>
             </a:fld>
             <a:endParaRPr lang="de-CH"/>
           </a:p>
@@ -1211,7 +1294,7 @@
           <a:p>
             <a:fld id="{92B3D0C1-4C55-4174-ACB6-FE14EF983A6D}" type="datetimeFigureOut">
               <a:rPr lang="de-CH" smtClean="0"/>
-              <a:t>20.11.2017</a:t>
+              <a:t>20.11.17</a:t>
             </a:fld>
             <a:endParaRPr lang="de-CH"/>
           </a:p>
@@ -1253,7 +1336,7 @@
           <a:p>
             <a:fld id="{216A1CAF-9D75-4D9A-A163-4634AE7ED004}" type="slidenum">
               <a:rPr lang="de-CH" smtClean="0"/>
-              <a:t>‹Nr.›</a:t>
+              <a:t>‹#›</a:t>
             </a:fld>
             <a:endParaRPr lang="de-CH"/>
           </a:p>
@@ -1465,7 +1548,7 @@
           <a:p>
             <a:fld id="{92B3D0C1-4C55-4174-ACB6-FE14EF983A6D}" type="datetimeFigureOut">
               <a:rPr lang="de-CH" smtClean="0"/>
-              <a:t>20.11.2017</a:t>
+              <a:t>20.11.17</a:t>
             </a:fld>
             <a:endParaRPr lang="de-CH"/>
           </a:p>
@@ -1507,7 +1590,7 @@
           <a:p>
             <a:fld id="{216A1CAF-9D75-4D9A-A163-4634AE7ED004}" type="slidenum">
               <a:rPr lang="de-CH" smtClean="0"/>
-              <a:t>‹Nr.›</a:t>
+              <a:t>‹#›</a:t>
             </a:fld>
             <a:endParaRPr lang="de-CH"/>
           </a:p>
@@ -1791,7 +1874,7 @@
           <a:p>
             <a:fld id="{92B3D0C1-4C55-4174-ACB6-FE14EF983A6D}" type="datetimeFigureOut">
               <a:rPr lang="de-CH" smtClean="0"/>
-              <a:t>20.11.2017</a:t>
+              <a:t>20.11.17</a:t>
             </a:fld>
             <a:endParaRPr lang="de-CH"/>
           </a:p>
@@ -1833,7 +1916,7 @@
           <a:p>
             <a:fld id="{216A1CAF-9D75-4D9A-A163-4634AE7ED004}" type="slidenum">
               <a:rPr lang="de-CH" smtClean="0"/>
-              <a:t>‹Nr.›</a:t>
+              <a:t>‹#›</a:t>
             </a:fld>
             <a:endParaRPr lang="de-CH"/>
           </a:p>
@@ -2242,7 +2325,7 @@
           <a:p>
             <a:fld id="{92B3D0C1-4C55-4174-ACB6-FE14EF983A6D}" type="datetimeFigureOut">
               <a:rPr lang="de-CH" smtClean="0"/>
-              <a:t>20.11.2017</a:t>
+              <a:t>20.11.17</a:t>
             </a:fld>
             <a:endParaRPr lang="de-CH"/>
           </a:p>
@@ -2284,7 +2367,7 @@
           <a:p>
             <a:fld id="{216A1CAF-9D75-4D9A-A163-4634AE7ED004}" type="slidenum">
               <a:rPr lang="de-CH" smtClean="0"/>
-              <a:t>‹Nr.›</a:t>
+              <a:t>‹#›</a:t>
             </a:fld>
             <a:endParaRPr lang="de-CH"/>
           </a:p>
@@ -2360,7 +2443,7 @@
           <a:p>
             <a:fld id="{92B3D0C1-4C55-4174-ACB6-FE14EF983A6D}" type="datetimeFigureOut">
               <a:rPr lang="de-CH" smtClean="0"/>
-              <a:t>20.11.2017</a:t>
+              <a:t>20.11.17</a:t>
             </a:fld>
             <a:endParaRPr lang="de-CH"/>
           </a:p>
@@ -2402,7 +2485,7 @@
           <a:p>
             <a:fld id="{216A1CAF-9D75-4D9A-A163-4634AE7ED004}" type="slidenum">
               <a:rPr lang="de-CH" smtClean="0"/>
-              <a:t>‹Nr.›</a:t>
+              <a:t>‹#›</a:t>
             </a:fld>
             <a:endParaRPr lang="de-CH"/>
           </a:p>
@@ -2455,7 +2538,7 @@
           <a:p>
             <a:fld id="{92B3D0C1-4C55-4174-ACB6-FE14EF983A6D}" type="datetimeFigureOut">
               <a:rPr lang="de-CH" smtClean="0"/>
-              <a:t>20.11.2017</a:t>
+              <a:t>20.11.17</a:t>
             </a:fld>
             <a:endParaRPr lang="de-CH"/>
           </a:p>
@@ -2497,7 +2580,7 @@
           <a:p>
             <a:fld id="{216A1CAF-9D75-4D9A-A163-4634AE7ED004}" type="slidenum">
               <a:rPr lang="de-CH" smtClean="0"/>
-              <a:t>‹Nr.›</a:t>
+              <a:t>‹#›</a:t>
             </a:fld>
             <a:endParaRPr lang="de-CH"/>
           </a:p>
@@ -2742,7 +2825,7 @@
           <a:p>
             <a:fld id="{92B3D0C1-4C55-4174-ACB6-FE14EF983A6D}" type="datetimeFigureOut">
               <a:rPr lang="de-CH" smtClean="0"/>
-              <a:t>20.11.2017</a:t>
+              <a:t>20.11.17</a:t>
             </a:fld>
             <a:endParaRPr lang="de-CH"/>
           </a:p>
@@ -2784,7 +2867,7 @@
           <a:p>
             <a:fld id="{216A1CAF-9D75-4D9A-A163-4634AE7ED004}" type="slidenum">
               <a:rPr lang="de-CH" smtClean="0"/>
-              <a:t>‹Nr.›</a:t>
+              <a:t>‹#›</a:t>
             </a:fld>
             <a:endParaRPr lang="de-CH"/>
           </a:p>
@@ -3067,7 +3150,7 @@
           <a:p>
             <a:fld id="{92B3D0C1-4C55-4174-ACB6-FE14EF983A6D}" type="datetimeFigureOut">
               <a:rPr lang="de-CH" smtClean="0"/>
-              <a:t>20.11.2017</a:t>
+              <a:t>20.11.17</a:t>
             </a:fld>
             <a:endParaRPr lang="de-CH"/>
           </a:p>
@@ -3109,7 +3192,7 @@
           <a:p>
             <a:fld id="{216A1CAF-9D75-4D9A-A163-4634AE7ED004}" type="slidenum">
               <a:rPr lang="de-CH" smtClean="0"/>
-              <a:t>‹Nr.›</a:t>
+              <a:t>‹#›</a:t>
             </a:fld>
             <a:endParaRPr lang="de-CH"/>
           </a:p>
@@ -3321,7 +3404,7 @@
           <a:p>
             <a:fld id="{92B3D0C1-4C55-4174-ACB6-FE14EF983A6D}" type="datetimeFigureOut">
               <a:rPr lang="de-CH" smtClean="0"/>
-              <a:t>20.11.2017</a:t>
+              <a:t>20.11.17</a:t>
             </a:fld>
             <a:endParaRPr lang="de-CH"/>
           </a:p>
@@ -3403,7 +3486,7 @@
           <a:p>
             <a:fld id="{216A1CAF-9D75-4D9A-A163-4634AE7ED004}" type="slidenum">
               <a:rPr lang="de-CH" smtClean="0"/>
-              <a:t>‹Nr.›</a:t>
+              <a:t>‹#›</a:t>
             </a:fld>
             <a:endParaRPr lang="de-CH"/>
           </a:p>
@@ -3814,7 +3897,7 @@
           <p:cNvPr id="5" name="Grafik 4">
             <a:extLst>
               <a:ext uri="{FF2B5EF4-FFF2-40B4-BE49-F238E27FC236}">
-                <a16:creationId xmlns:a16="http://schemas.microsoft.com/office/drawing/2014/main" id="{3CCF4D3B-7A0F-4753-9950-8C3AFE3346D9}"/>
+                <a16:creationId xmlns:a16="http://schemas.microsoft.com/office/drawing/2014/main" xmlns="" id="{3CCF4D3B-7A0F-4753-9950-8C3AFE3346D9}"/>
               </a:ext>
             </a:extLst>
           </p:cNvPr>
@@ -4003,53 +4086,54 @@
         </p:spPr>
         <p:txBody>
           <a:bodyPr>
-            <a:normAutofit fontScale="92500" lnSpcReduction="10000"/>
+            <a:normAutofit/>
           </a:bodyPr>
           <a:lstStyle/>
           <a:p>
             <a:r>
+              <a:rPr lang="en-US" dirty="0" smtClean="0"/>
+              <a:t>Just finished iteration #4</a:t>
+            </a:r>
+          </a:p>
+          <a:p>
+            <a:pPr lvl="1"/>
+            <a:r>
+              <a:rPr lang="en-US" dirty="0" smtClean="0"/>
+              <a:t>Finish project design, implement game loop and map class capable of loading map from file</a:t>
+            </a:r>
+          </a:p>
+          <a:p>
+            <a:r>
+              <a:rPr lang="en-US" dirty="0" smtClean="0"/>
+              <a:t>Effective time expenditures for iteration #4 in expected ranges</a:t>
+            </a:r>
+            <a:endParaRPr lang="en-US" dirty="0"/>
+          </a:p>
+          <a:p>
+            <a:r>
+              <a:rPr lang="en-US" dirty="0" smtClean="0"/>
+              <a:t>No major changes in the risks</a:t>
+            </a:r>
+            <a:endParaRPr lang="en-US" dirty="0"/>
+          </a:p>
+          <a:p>
+            <a:r>
               <a:rPr lang="en-US" dirty="0"/>
-              <a:t>Current iteration #5 will end on Friday</a:t>
-            </a:r>
+              <a:t>Next up in iteration </a:t>
+            </a:r>
+            <a:r>
+              <a:rPr lang="en-US" dirty="0" smtClean="0"/>
+              <a:t>#5:</a:t>
+            </a:r>
+            <a:endParaRPr lang="en-US" dirty="0"/>
           </a:p>
           <a:p>
             <a:pPr lvl="1"/>
             <a:r>
-              <a:rPr lang="en-US" dirty="0"/>
-              <a:t>Detailed UC defined, Domain Model created and Project Analysis</a:t>
-            </a:r>
-          </a:p>
-          <a:p>
-            <a:r>
-              <a:rPr lang="en-US" dirty="0"/>
-              <a:t>Effective time expenditures so far within expected ranges</a:t>
-            </a:r>
-          </a:p>
-          <a:p>
-            <a:r>
-              <a:rPr lang="en-US" dirty="0"/>
-              <a:t>Overhauled risk list</a:t>
-            </a:r>
-          </a:p>
-          <a:p>
-            <a:r>
-              <a:rPr lang="en-US" dirty="0"/>
-              <a:t>Next up in iteration #3:</a:t>
-            </a:r>
-          </a:p>
-          <a:p>
-            <a:pPr lvl="1"/>
-            <a:r>
-              <a:rPr lang="en-US" dirty="0"/>
-              <a:t>UI prototype developed</a:t>
-            </a:r>
-          </a:p>
-          <a:p>
-            <a:pPr lvl="1"/>
-            <a:r>
-              <a:rPr lang="en-US" dirty="0"/>
-              <a:t>Stable architecture defined</a:t>
-            </a:r>
+              <a:rPr lang="en-US" dirty="0" smtClean="0"/>
+              <a:t>UC 1: Play Game implemented (though without some features like upgrading towers)</a:t>
+            </a:r>
+            <a:endParaRPr lang="en-US" dirty="0"/>
           </a:p>
         </p:txBody>
       </p:sp>
@@ -4341,37 +4425,6 @@
                                   </p:childTnLst>
                                 </p:cTn>
                               </p:par>
-                              <p:par>
-                                <p:cTn id="25" presetID="1" presetClass="entr" presetSubtype="0" fill="hold" nodeType="withEffect">
-                                  <p:stCondLst>
-                                    <p:cond delay="0"/>
-                                  </p:stCondLst>
-                                  <p:childTnLst>
-                                    <p:set>
-                                      <p:cBhvr>
-                                        <p:cTn id="26" dur="1" fill="hold">
-                                          <p:stCondLst>
-                                            <p:cond delay="0"/>
-                                          </p:stCondLst>
-                                        </p:cTn>
-                                        <p:tgtEl>
-                                          <p:spTgt spid="3">
-                                            <p:txEl>
-                                              <p:pRg st="6" end="6"/>
-                                            </p:txEl>
-                                          </p:spTgt>
-                                        </p:tgtEl>
-                                        <p:attrNameLst>
-                                          <p:attrName>style.visibility</p:attrName>
-                                        </p:attrNameLst>
-                                      </p:cBhvr>
-                                      <p:to>
-                                        <p:strVal val="visible"/>
-                                      </p:to>
-                                    </p:set>
-                                  </p:childTnLst>
-                                </p:cTn>
-                              </p:par>
                             </p:childTnLst>
                           </p:cTn>
                         </p:par>
@@ -4406,6 +4459,14 @@
 <file path=ppt/slides/slide3.xml><?xml version="1.0" encoding="utf-8"?>
 <p:sld xmlns:a="http://schemas.openxmlformats.org/drawingml/2006/main" xmlns:r="http://schemas.openxmlformats.org/officeDocument/2006/relationships" xmlns:p="http://schemas.openxmlformats.org/presentationml/2006/main">
   <p:cSld>
+    <p:bg>
+      <p:bgPr>
+        <a:solidFill>
+          <a:schemeClr val="bg1"/>
+        </a:solidFill>
+        <a:effectLst/>
+      </p:bgPr>
+    </p:bg>
     <p:spTree>
       <p:nvGrpSpPr>
         <p:cNvPr id="1" name=""/>
@@ -4422,716 +4483,288 @@
       </p:grpSpPr>
       <p:sp>
         <p:nvSpPr>
-          <p:cNvPr id="2" name="Title 1"/>
-          <p:cNvSpPr>
-            <a:spLocks noGrp="1"/>
-          </p:cNvSpPr>
-          <p:nvPr>
-            <p:ph type="title"/>
-          </p:nvPr>
-        </p:nvSpPr>
-        <p:spPr/>
-        <p:txBody>
-          <a:bodyPr/>
-          <a:lstStyle/>
-          <a:p>
-            <a:r>
-              <a:rPr lang="en-US" dirty="0"/>
-              <a:t>Use Cases</a:t>
-            </a:r>
-          </a:p>
-        </p:txBody>
-      </p:sp>
-      <p:pic>
-        <p:nvPicPr>
-          <p:cNvPr id="5" name="Picture 4" descr="Use%20Case%20Modell/Use%20Case%20Diagram.png"/>
-          <p:cNvPicPr/>
-          <p:nvPr/>
-        </p:nvPicPr>
-        <p:blipFill>
-          <a:blip r:embed="rId2" cstate="print">
+          <p:cNvPr id="12" name="Rectangle 11">
             <a:extLst>
-              <a:ext uri="{28A0092B-C50C-407E-A947-70E740481C1C}">
-                <a14:useLocalDpi xmlns:a14="http://schemas.microsoft.com/office/drawing/2010/main" val="0"/>
+              <a:ext uri="{FF2B5EF4-FFF2-40B4-BE49-F238E27FC236}">
+                <a16:creationId xmlns:a16="http://schemas.microsoft.com/office/drawing/2014/main" xmlns="" id="{5D5E0904-721C-4D68-9EB8-1C9752E329A7}"/>
               </a:ext>
             </a:extLst>
-          </a:blip>
-          <a:srcRect/>
-          <a:stretch>
-            <a:fillRect/>
-          </a:stretch>
-        </p:blipFill>
-        <p:spPr bwMode="auto">
+          </p:cNvPr>
+          <p:cNvSpPr>
+            <a:spLocks noGrp="1" noRot="1" noChangeAspect="1" noMove="1" noResize="1" noEditPoints="1" noAdjustHandles="1" noChangeArrowheads="1" noChangeShapeType="1" noTextEdit="1"/>
+          </p:cNvSpPr>
+          <p:nvPr>
+            <p:extLst>
+              <p:ext uri="{386F3935-93C4-4BCD-93E2-E3B085C9AB24}">
+                <p16:designElem xmlns:p16="http://schemas.microsoft.com/office/powerpoint/2015/main" val="1"/>
+              </p:ext>
+            </p:extLst>
+          </p:nvPr>
+        </p:nvSpPr>
+        <p:spPr>
           <a:xfrm>
-            <a:off x="5559552" y="1646713"/>
-            <a:ext cx="5153126" cy="4715510"/>
+            <a:off x="0" y="0"/>
+            <a:ext cx="457200" cy="6858000"/>
           </a:xfrm>
           <a:prstGeom prst="rect">
             <a:avLst/>
           </a:prstGeom>
-          <a:noFill/>
+          <a:solidFill>
+            <a:schemeClr val="accent1"/>
+          </a:solidFill>
           <a:ln>
             <a:noFill/>
           </a:ln>
         </p:spPr>
-      </p:pic>
-      <p:sp>
-        <p:nvSpPr>
-          <p:cNvPr id="6" name="Content Placeholder 5"/>
-          <p:cNvSpPr>
-            <a:spLocks noGrp="1"/>
-          </p:cNvSpPr>
-          <p:nvPr>
-            <p:ph idx="1"/>
-          </p:nvPr>
-        </p:nvSpPr>
-        <p:spPr/>
-        <p:txBody>
-          <a:bodyPr/>
+        <p:style>
+          <a:lnRef idx="2">
+            <a:schemeClr val="accent1">
+              <a:shade val="50000"/>
+            </a:schemeClr>
+          </a:lnRef>
+          <a:fillRef idx="1">
+            <a:schemeClr val="accent1"/>
+          </a:fillRef>
+          <a:effectRef idx="0">
+            <a:schemeClr val="accent1"/>
+          </a:effectRef>
+          <a:fontRef idx="minor">
+            <a:schemeClr val="lt1"/>
+          </a:fontRef>
+        </p:style>
+      </p:sp>
+      <p:sp>
+        <p:nvSpPr>
+          <p:cNvPr id="14" name="Rectangle 13">
+            <a:extLst>
+              <a:ext uri="{FF2B5EF4-FFF2-40B4-BE49-F238E27FC236}">
+                <a16:creationId xmlns:a16="http://schemas.microsoft.com/office/drawing/2014/main" xmlns="" id="{121F5E60-4E89-4B16-A245-12BD9935998D}"/>
+              </a:ext>
+            </a:extLst>
+          </p:cNvPr>
+          <p:cNvSpPr>
+            <a:spLocks noGrp="1" noRot="1" noChangeAspect="1" noMove="1" noResize="1" noEditPoints="1" noAdjustHandles="1" noChangeArrowheads="1" noChangeShapeType="1" noTextEdit="1"/>
+          </p:cNvSpPr>
+          <p:nvPr>
+            <p:extLst>
+              <p:ext uri="{386F3935-93C4-4BCD-93E2-E3B085C9AB24}">
+                <p16:designElem xmlns:p16="http://schemas.microsoft.com/office/powerpoint/2015/main" val="1"/>
+              </p:ext>
+            </p:extLst>
+          </p:nvPr>
+        </p:nvSpPr>
+        <p:spPr>
+          <a:xfrm>
+            <a:off x="11292840" y="0"/>
+            <a:ext cx="899160" cy="6858000"/>
+          </a:xfrm>
+          <a:prstGeom prst="rect">
+            <a:avLst/>
+          </a:prstGeom>
+          <a:solidFill>
+            <a:srgbClr val="353537"/>
+          </a:solidFill>
+          <a:ln>
+            <a:noFill/>
+          </a:ln>
+        </p:spPr>
+        <p:style>
+          <a:lnRef idx="2">
+            <a:schemeClr val="accent1">
+              <a:shade val="50000"/>
+            </a:schemeClr>
+          </a:lnRef>
+          <a:fillRef idx="1">
+            <a:schemeClr val="accent1"/>
+          </a:fillRef>
+          <a:effectRef idx="0">
+            <a:schemeClr val="accent1"/>
+          </a:effectRef>
+          <a:fontRef idx="minor">
+            <a:schemeClr val="lt1"/>
+          </a:fontRef>
+        </p:style>
+        <p:txBody>
+          <a:bodyPr rtlCol="0" anchor="ctr"/>
           <a:lstStyle/>
           <a:p>
-            <a:r>
-              <a:rPr lang="en-US" dirty="0"/>
-              <a:t>UC 1		Play Game</a:t>
-            </a:r>
-          </a:p>
-          <a:p>
-            <a:pPr lvl="1"/>
-            <a:r>
-              <a:rPr lang="en-US" dirty="0"/>
-              <a:t>UC 1.1 	Place Tower</a:t>
-            </a:r>
-          </a:p>
-          <a:p>
-            <a:pPr lvl="1"/>
-            <a:r>
-              <a:rPr lang="en-US" dirty="0"/>
-              <a:t>UC 1.2	Upgrade Tower</a:t>
-            </a:r>
-          </a:p>
-          <a:p>
-            <a:pPr lvl="1"/>
-            <a:r>
-              <a:rPr lang="en-US" dirty="0"/>
-              <a:t>UC 1.3	Tear Down Tower</a:t>
-            </a:r>
-          </a:p>
-          <a:p>
-            <a:pPr lvl="1"/>
-            <a:r>
-              <a:rPr lang="en-US" dirty="0"/>
-              <a:t>UC 1.4	Call Next Wave</a:t>
-            </a:r>
-          </a:p>
-          <a:p>
-            <a:pPr lvl="1"/>
-            <a:r>
-              <a:rPr lang="en-US" dirty="0"/>
-              <a:t>UC 1.5	Pause Game</a:t>
-            </a:r>
-          </a:p>
-          <a:p>
-            <a:pPr lvl="1"/>
-            <a:r>
-              <a:rPr lang="en-US" dirty="0"/>
-              <a:t>UC 1.6	</a:t>
-            </a:r>
-            <a:r>
-              <a:rPr lang="en-US" dirty="0" err="1"/>
-              <a:t>Unpause</a:t>
-            </a:r>
-            <a:r>
-              <a:rPr lang="en-US" dirty="0"/>
-              <a:t> Game</a:t>
-            </a:r>
-          </a:p>
-          <a:p>
-            <a:r>
-              <a:rPr lang="en-US" dirty="0"/>
-              <a:t>UC 2		Create Map</a:t>
-            </a:r>
-          </a:p>
-          <a:p>
-            <a:r>
-              <a:rPr lang="en-US" dirty="0"/>
-              <a:t>UC 3		Edit Map</a:t>
-            </a:r>
-          </a:p>
-          <a:p>
-            <a:r>
-              <a:rPr lang="en-US" dirty="0"/>
-              <a:t>UC 4		Import Map</a:t>
-            </a:r>
-          </a:p>
-          <a:p>
-            <a:r>
-              <a:rPr lang="en-US" dirty="0"/>
-              <a:t>UC 5		Export Map</a:t>
-            </a:r>
-          </a:p>
-        </p:txBody>
-      </p:sp>
-    </p:spTree>
-    <p:extLst>
-      <p:ext uri="{BB962C8B-B14F-4D97-AF65-F5344CB8AC3E}">
-        <p14:creationId xmlns:p14="http://schemas.microsoft.com/office/powerpoint/2010/main" val="314642450"/>
-      </p:ext>
-    </p:extLst>
-  </p:cSld>
-  <p:clrMapOvr>
-    <a:masterClrMapping/>
-  </p:clrMapOvr>
-  <p:timing>
-    <p:tnLst>
-      <p:par>
-        <p:cTn id="1" dur="indefinite" restart="never" nodeType="tmRoot">
-          <p:childTnLst>
-            <p:seq concurrent="1" nextAc="seek">
-              <p:cTn id="2" dur="indefinite" nodeType="mainSeq">
-                <p:childTnLst>
-                  <p:par>
-                    <p:cTn id="3" fill="hold">
-                      <p:stCondLst>
-                        <p:cond delay="indefinite"/>
-                      </p:stCondLst>
-                      <p:childTnLst>
-                        <p:par>
-                          <p:cTn id="4" fill="hold">
-                            <p:stCondLst>
-                              <p:cond delay="0"/>
-                            </p:stCondLst>
-                            <p:childTnLst>
-                              <p:par>
-                                <p:cTn id="5" presetID="1" presetClass="entr" presetSubtype="0" fill="hold" nodeType="clickEffect">
-                                  <p:stCondLst>
-                                    <p:cond delay="0"/>
-                                  </p:stCondLst>
-                                  <p:childTnLst>
-                                    <p:set>
-                                      <p:cBhvr>
-                                        <p:cTn id="6" dur="1" fill="hold">
-                                          <p:stCondLst>
-                                            <p:cond delay="0"/>
-                                          </p:stCondLst>
-                                        </p:cTn>
-                                        <p:tgtEl>
-                                          <p:spTgt spid="5"/>
-                                        </p:tgtEl>
-                                        <p:attrNameLst>
-                                          <p:attrName>style.visibility</p:attrName>
-                                        </p:attrNameLst>
-                                      </p:cBhvr>
-                                      <p:to>
-                                        <p:strVal val="visible"/>
-                                      </p:to>
-                                    </p:set>
-                                  </p:childTnLst>
-                                </p:cTn>
-                              </p:par>
-                            </p:childTnLst>
-                          </p:cTn>
-                        </p:par>
-                      </p:childTnLst>
-                    </p:cTn>
-                  </p:par>
-                  <p:par>
-                    <p:cTn id="7" fill="hold">
-                      <p:stCondLst>
-                        <p:cond delay="indefinite"/>
-                      </p:stCondLst>
-                      <p:childTnLst>
-                        <p:par>
-                          <p:cTn id="8" fill="hold">
-                            <p:stCondLst>
-                              <p:cond delay="0"/>
-                            </p:stCondLst>
-                            <p:childTnLst>
-                              <p:par>
-                                <p:cTn id="9" presetID="1" presetClass="entr" presetSubtype="0" fill="hold" nodeType="clickEffect">
-                                  <p:stCondLst>
-                                    <p:cond delay="0"/>
-                                  </p:stCondLst>
-                                  <p:childTnLst>
-                                    <p:set>
-                                      <p:cBhvr>
-                                        <p:cTn id="10" dur="1" fill="hold">
-                                          <p:stCondLst>
-                                            <p:cond delay="0"/>
-                                          </p:stCondLst>
-                                        </p:cTn>
-                                        <p:tgtEl>
-                                          <p:spTgt spid="6">
-                                            <p:txEl>
-                                              <p:pRg st="0" end="0"/>
-                                            </p:txEl>
-                                          </p:spTgt>
-                                        </p:tgtEl>
-                                        <p:attrNameLst>
-                                          <p:attrName>style.visibility</p:attrName>
-                                        </p:attrNameLst>
-                                      </p:cBhvr>
-                                      <p:to>
-                                        <p:strVal val="visible"/>
-                                      </p:to>
-                                    </p:set>
-                                  </p:childTnLst>
-                                </p:cTn>
-                              </p:par>
-                              <p:par>
-                                <p:cTn id="11" presetID="1" presetClass="entr" presetSubtype="0" fill="hold" nodeType="withEffect">
-                                  <p:stCondLst>
-                                    <p:cond delay="0"/>
-                                  </p:stCondLst>
-                                  <p:childTnLst>
-                                    <p:set>
-                                      <p:cBhvr>
-                                        <p:cTn id="12" dur="1" fill="hold">
-                                          <p:stCondLst>
-                                            <p:cond delay="0"/>
-                                          </p:stCondLst>
-                                        </p:cTn>
-                                        <p:tgtEl>
-                                          <p:spTgt spid="6">
-                                            <p:txEl>
-                                              <p:pRg st="1" end="1"/>
-                                            </p:txEl>
-                                          </p:spTgt>
-                                        </p:tgtEl>
-                                        <p:attrNameLst>
-                                          <p:attrName>style.visibility</p:attrName>
-                                        </p:attrNameLst>
-                                      </p:cBhvr>
-                                      <p:to>
-                                        <p:strVal val="visible"/>
-                                      </p:to>
-                                    </p:set>
-                                  </p:childTnLst>
-                                </p:cTn>
-                              </p:par>
-                              <p:par>
-                                <p:cTn id="13" presetID="1" presetClass="entr" presetSubtype="0" fill="hold" nodeType="withEffect">
-                                  <p:stCondLst>
-                                    <p:cond delay="0"/>
-                                  </p:stCondLst>
-                                  <p:childTnLst>
-                                    <p:set>
-                                      <p:cBhvr>
-                                        <p:cTn id="14" dur="1" fill="hold">
-                                          <p:stCondLst>
-                                            <p:cond delay="0"/>
-                                          </p:stCondLst>
-                                        </p:cTn>
-                                        <p:tgtEl>
-                                          <p:spTgt spid="6">
-                                            <p:txEl>
-                                              <p:pRg st="2" end="2"/>
-                                            </p:txEl>
-                                          </p:spTgt>
-                                        </p:tgtEl>
-                                        <p:attrNameLst>
-                                          <p:attrName>style.visibility</p:attrName>
-                                        </p:attrNameLst>
-                                      </p:cBhvr>
-                                      <p:to>
-                                        <p:strVal val="visible"/>
-                                      </p:to>
-                                    </p:set>
-                                  </p:childTnLst>
-                                </p:cTn>
-                              </p:par>
-                              <p:par>
-                                <p:cTn id="15" presetID="1" presetClass="entr" presetSubtype="0" fill="hold" nodeType="withEffect">
-                                  <p:stCondLst>
-                                    <p:cond delay="0"/>
-                                  </p:stCondLst>
-                                  <p:childTnLst>
-                                    <p:set>
-                                      <p:cBhvr>
-                                        <p:cTn id="16" dur="1" fill="hold">
-                                          <p:stCondLst>
-                                            <p:cond delay="0"/>
-                                          </p:stCondLst>
-                                        </p:cTn>
-                                        <p:tgtEl>
-                                          <p:spTgt spid="6">
-                                            <p:txEl>
-                                              <p:pRg st="3" end="3"/>
-                                            </p:txEl>
-                                          </p:spTgt>
-                                        </p:tgtEl>
-                                        <p:attrNameLst>
-                                          <p:attrName>style.visibility</p:attrName>
-                                        </p:attrNameLst>
-                                      </p:cBhvr>
-                                      <p:to>
-                                        <p:strVal val="visible"/>
-                                      </p:to>
-                                    </p:set>
-                                  </p:childTnLst>
-                                </p:cTn>
-                              </p:par>
-                              <p:par>
-                                <p:cTn id="17" presetID="1" presetClass="entr" presetSubtype="0" fill="hold" nodeType="withEffect">
-                                  <p:stCondLst>
-                                    <p:cond delay="0"/>
-                                  </p:stCondLst>
-                                  <p:childTnLst>
-                                    <p:set>
-                                      <p:cBhvr>
-                                        <p:cTn id="18" dur="1" fill="hold">
-                                          <p:stCondLst>
-                                            <p:cond delay="0"/>
-                                          </p:stCondLst>
-                                        </p:cTn>
-                                        <p:tgtEl>
-                                          <p:spTgt spid="6">
-                                            <p:txEl>
-                                              <p:pRg st="4" end="4"/>
-                                            </p:txEl>
-                                          </p:spTgt>
-                                        </p:tgtEl>
-                                        <p:attrNameLst>
-                                          <p:attrName>style.visibility</p:attrName>
-                                        </p:attrNameLst>
-                                      </p:cBhvr>
-                                      <p:to>
-                                        <p:strVal val="visible"/>
-                                      </p:to>
-                                    </p:set>
-                                  </p:childTnLst>
-                                </p:cTn>
-                              </p:par>
-                              <p:par>
-                                <p:cTn id="19" presetID="1" presetClass="entr" presetSubtype="0" fill="hold" nodeType="withEffect">
-                                  <p:stCondLst>
-                                    <p:cond delay="0"/>
-                                  </p:stCondLst>
-                                  <p:childTnLst>
-                                    <p:set>
-                                      <p:cBhvr>
-                                        <p:cTn id="20" dur="1" fill="hold">
-                                          <p:stCondLst>
-                                            <p:cond delay="0"/>
-                                          </p:stCondLst>
-                                        </p:cTn>
-                                        <p:tgtEl>
-                                          <p:spTgt spid="6">
-                                            <p:txEl>
-                                              <p:pRg st="5" end="5"/>
-                                            </p:txEl>
-                                          </p:spTgt>
-                                        </p:tgtEl>
-                                        <p:attrNameLst>
-                                          <p:attrName>style.visibility</p:attrName>
-                                        </p:attrNameLst>
-                                      </p:cBhvr>
-                                      <p:to>
-                                        <p:strVal val="visible"/>
-                                      </p:to>
-                                    </p:set>
-                                  </p:childTnLst>
-                                </p:cTn>
-                              </p:par>
-                              <p:par>
-                                <p:cTn id="21" presetID="1" presetClass="entr" presetSubtype="0" fill="hold" nodeType="withEffect">
-                                  <p:stCondLst>
-                                    <p:cond delay="0"/>
-                                  </p:stCondLst>
-                                  <p:childTnLst>
-                                    <p:set>
-                                      <p:cBhvr>
-                                        <p:cTn id="22" dur="1" fill="hold">
-                                          <p:stCondLst>
-                                            <p:cond delay="0"/>
-                                          </p:stCondLst>
-                                        </p:cTn>
-                                        <p:tgtEl>
-                                          <p:spTgt spid="6">
-                                            <p:txEl>
-                                              <p:pRg st="6" end="6"/>
-                                            </p:txEl>
-                                          </p:spTgt>
-                                        </p:tgtEl>
-                                        <p:attrNameLst>
-                                          <p:attrName>style.visibility</p:attrName>
-                                        </p:attrNameLst>
-                                      </p:cBhvr>
-                                      <p:to>
-                                        <p:strVal val="visible"/>
-                                      </p:to>
-                                    </p:set>
-                                  </p:childTnLst>
-                                </p:cTn>
-                              </p:par>
-                            </p:childTnLst>
-                          </p:cTn>
-                        </p:par>
-                      </p:childTnLst>
-                    </p:cTn>
-                  </p:par>
-                  <p:par>
-                    <p:cTn id="23" fill="hold">
-                      <p:stCondLst>
-                        <p:cond delay="indefinite"/>
-                      </p:stCondLst>
-                      <p:childTnLst>
-                        <p:par>
-                          <p:cTn id="24" fill="hold">
-                            <p:stCondLst>
-                              <p:cond delay="0"/>
-                            </p:stCondLst>
-                            <p:childTnLst>
-                              <p:par>
-                                <p:cTn id="25" presetID="1" presetClass="entr" presetSubtype="0" fill="hold" nodeType="clickEffect">
-                                  <p:stCondLst>
-                                    <p:cond delay="0"/>
-                                  </p:stCondLst>
-                                  <p:childTnLst>
-                                    <p:set>
-                                      <p:cBhvr>
-                                        <p:cTn id="26" dur="1" fill="hold">
-                                          <p:stCondLst>
-                                            <p:cond delay="0"/>
-                                          </p:stCondLst>
-                                        </p:cTn>
-                                        <p:tgtEl>
-                                          <p:spTgt spid="6">
-                                            <p:txEl>
-                                              <p:pRg st="7" end="7"/>
-                                            </p:txEl>
-                                          </p:spTgt>
-                                        </p:tgtEl>
-                                        <p:attrNameLst>
-                                          <p:attrName>style.visibility</p:attrName>
-                                        </p:attrNameLst>
-                                      </p:cBhvr>
-                                      <p:to>
-                                        <p:strVal val="visible"/>
-                                      </p:to>
-                                    </p:set>
-                                  </p:childTnLst>
-                                </p:cTn>
-                              </p:par>
-                            </p:childTnLst>
-                          </p:cTn>
-                        </p:par>
-                      </p:childTnLst>
-                    </p:cTn>
-                  </p:par>
-                  <p:par>
-                    <p:cTn id="27" fill="hold">
-                      <p:stCondLst>
-                        <p:cond delay="indefinite"/>
-                      </p:stCondLst>
-                      <p:childTnLst>
-                        <p:par>
-                          <p:cTn id="28" fill="hold">
-                            <p:stCondLst>
-                              <p:cond delay="0"/>
-                            </p:stCondLst>
-                            <p:childTnLst>
-                              <p:par>
-                                <p:cTn id="29" presetID="1" presetClass="entr" presetSubtype="0" fill="hold" nodeType="clickEffect">
-                                  <p:stCondLst>
-                                    <p:cond delay="0"/>
-                                  </p:stCondLst>
-                                  <p:childTnLst>
-                                    <p:set>
-                                      <p:cBhvr>
-                                        <p:cTn id="30" dur="1" fill="hold">
-                                          <p:stCondLst>
-                                            <p:cond delay="0"/>
-                                          </p:stCondLst>
-                                        </p:cTn>
-                                        <p:tgtEl>
-                                          <p:spTgt spid="6">
-                                            <p:txEl>
-                                              <p:pRg st="8" end="8"/>
-                                            </p:txEl>
-                                          </p:spTgt>
-                                        </p:tgtEl>
-                                        <p:attrNameLst>
-                                          <p:attrName>style.visibility</p:attrName>
-                                        </p:attrNameLst>
-                                      </p:cBhvr>
-                                      <p:to>
-                                        <p:strVal val="visible"/>
-                                      </p:to>
-                                    </p:set>
-                                  </p:childTnLst>
-                                </p:cTn>
-                              </p:par>
-                            </p:childTnLst>
-                          </p:cTn>
-                        </p:par>
-                      </p:childTnLst>
-                    </p:cTn>
-                  </p:par>
-                  <p:par>
-                    <p:cTn id="31" fill="hold">
-                      <p:stCondLst>
-                        <p:cond delay="indefinite"/>
-                      </p:stCondLst>
-                      <p:childTnLst>
-                        <p:par>
-                          <p:cTn id="32" fill="hold">
-                            <p:stCondLst>
-                              <p:cond delay="0"/>
-                            </p:stCondLst>
-                            <p:childTnLst>
-                              <p:par>
-                                <p:cTn id="33" presetID="1" presetClass="entr" presetSubtype="0" fill="hold" nodeType="clickEffect">
-                                  <p:stCondLst>
-                                    <p:cond delay="0"/>
-                                  </p:stCondLst>
-                                  <p:childTnLst>
-                                    <p:set>
-                                      <p:cBhvr>
-                                        <p:cTn id="34" dur="1" fill="hold">
-                                          <p:stCondLst>
-                                            <p:cond delay="0"/>
-                                          </p:stCondLst>
-                                        </p:cTn>
-                                        <p:tgtEl>
-                                          <p:spTgt spid="6">
-                                            <p:txEl>
-                                              <p:pRg st="9" end="9"/>
-                                            </p:txEl>
-                                          </p:spTgt>
-                                        </p:tgtEl>
-                                        <p:attrNameLst>
-                                          <p:attrName>style.visibility</p:attrName>
-                                        </p:attrNameLst>
-                                      </p:cBhvr>
-                                      <p:to>
-                                        <p:strVal val="visible"/>
-                                      </p:to>
-                                    </p:set>
-                                  </p:childTnLst>
-                                </p:cTn>
-                              </p:par>
-                            </p:childTnLst>
-                          </p:cTn>
-                        </p:par>
-                      </p:childTnLst>
-                    </p:cTn>
-                  </p:par>
-                  <p:par>
-                    <p:cTn id="35" fill="hold">
-                      <p:stCondLst>
-                        <p:cond delay="indefinite"/>
-                      </p:stCondLst>
-                      <p:childTnLst>
-                        <p:par>
-                          <p:cTn id="36" fill="hold">
-                            <p:stCondLst>
-                              <p:cond delay="0"/>
-                            </p:stCondLst>
-                            <p:childTnLst>
-                              <p:par>
-                                <p:cTn id="37" presetID="1" presetClass="entr" presetSubtype="0" fill="hold" nodeType="clickEffect">
-                                  <p:stCondLst>
-                                    <p:cond delay="0"/>
-                                  </p:stCondLst>
-                                  <p:childTnLst>
-                                    <p:set>
-                                      <p:cBhvr>
-                                        <p:cTn id="38" dur="1" fill="hold">
-                                          <p:stCondLst>
-                                            <p:cond delay="0"/>
-                                          </p:stCondLst>
-                                        </p:cTn>
-                                        <p:tgtEl>
-                                          <p:spTgt spid="6">
-                                            <p:txEl>
-                                              <p:pRg st="10" end="10"/>
-                                            </p:txEl>
-                                          </p:spTgt>
-                                        </p:tgtEl>
-                                        <p:attrNameLst>
-                                          <p:attrName>style.visibility</p:attrName>
-                                        </p:attrNameLst>
-                                      </p:cBhvr>
-                                      <p:to>
-                                        <p:strVal val="visible"/>
-                                      </p:to>
-                                    </p:set>
-                                  </p:childTnLst>
-                                </p:cTn>
-                              </p:par>
-                            </p:childTnLst>
-                          </p:cTn>
-                        </p:par>
-                      </p:childTnLst>
-                    </p:cTn>
-                  </p:par>
-                </p:childTnLst>
-              </p:cTn>
-              <p:prevCondLst>
-                <p:cond evt="onPrev" delay="0">
-                  <p:tgtEl>
-                    <p:sldTgt/>
-                  </p:tgtEl>
-                </p:cond>
-              </p:prevCondLst>
-              <p:nextCondLst>
-                <p:cond evt="onNext" delay="0">
-                  <p:tgtEl>
-                    <p:sldTgt/>
-                  </p:tgtEl>
-                </p:cond>
-              </p:nextCondLst>
-            </p:seq>
-          </p:childTnLst>
-        </p:cTn>
-      </p:par>
-    </p:tnLst>
-  </p:timing>
-</p:sld>
-</file>
-
-<file path=ppt/slides/slide4.xml><?xml version="1.0" encoding="utf-8"?>
-<p:sld xmlns:a="http://schemas.openxmlformats.org/drawingml/2006/main" xmlns:r="http://schemas.openxmlformats.org/officeDocument/2006/relationships" xmlns:p="http://schemas.openxmlformats.org/presentationml/2006/main">
-  <p:cSld>
-    <p:spTree>
-      <p:nvGrpSpPr>
-        <p:cNvPr id="1" name=""/>
-        <p:cNvGrpSpPr/>
-        <p:nvPr/>
-      </p:nvGrpSpPr>
-      <p:grpSpPr>
-        <a:xfrm>
-          <a:off x="0" y="0"/>
-          <a:ext cx="0" cy="0"/>
-          <a:chOff x="0" y="0"/>
-          <a:chExt cx="0" cy="0"/>
-        </a:xfrm>
-      </p:grpSpPr>
-      <p:sp>
-        <p:nvSpPr>
-          <p:cNvPr id="2" name="Title 1"/>
-          <p:cNvSpPr>
-            <a:spLocks noGrp="1"/>
-          </p:cNvSpPr>
-          <p:nvPr>
-            <p:ph type="title"/>
-          </p:nvPr>
-        </p:nvSpPr>
-        <p:spPr/>
-        <p:txBody>
-          <a:bodyPr/>
+            <a:pPr algn="ctr"/>
+            <a:endParaRPr lang="en-US"/>
+          </a:p>
+        </p:txBody>
+      </p:sp>
+      <p:sp>
+        <p:nvSpPr>
+          <p:cNvPr id="16" name="Rectangle 15">
+            <a:extLst>
+              <a:ext uri="{FF2B5EF4-FFF2-40B4-BE49-F238E27FC236}">
+                <a16:creationId xmlns:a16="http://schemas.microsoft.com/office/drawing/2014/main" xmlns="" id="{B298ECBA-3258-45DF-8FD4-7581736BCCBC}"/>
+              </a:ext>
+            </a:extLst>
+          </p:cNvPr>
+          <p:cNvSpPr>
+            <a:spLocks noGrp="1" noRot="1" noChangeAspect="1" noMove="1" noResize="1" noEditPoints="1" noAdjustHandles="1" noChangeArrowheads="1" noChangeShapeType="1" noTextEdit="1"/>
+          </p:cNvSpPr>
+          <p:nvPr>
+            <p:extLst>
+              <p:ext uri="{386F3935-93C4-4BCD-93E2-E3B085C9AB24}">
+                <p16:designElem xmlns:p16="http://schemas.microsoft.com/office/powerpoint/2015/main" val="1"/>
+              </p:ext>
+            </p:extLst>
+          </p:nvPr>
+        </p:nvSpPr>
+        <p:spPr>
+          <a:xfrm>
+            <a:off x="0" y="-3244"/>
+            <a:ext cx="457200" cy="6858000"/>
+          </a:xfrm>
+          <a:prstGeom prst="rect">
+            <a:avLst/>
+          </a:prstGeom>
+          <a:solidFill>
+            <a:srgbClr val="6F6F74"/>
+          </a:solidFill>
+          <a:ln>
+            <a:noFill/>
+          </a:ln>
+        </p:spPr>
+        <p:style>
+          <a:lnRef idx="2">
+            <a:schemeClr val="accent1">
+              <a:shade val="50000"/>
+            </a:schemeClr>
+          </a:lnRef>
+          <a:fillRef idx="1">
+            <a:schemeClr val="accent1"/>
+          </a:fillRef>
+          <a:effectRef idx="0">
+            <a:schemeClr val="accent1"/>
+          </a:effectRef>
+          <a:fontRef idx="minor">
+            <a:schemeClr val="lt1"/>
+          </a:fontRef>
+        </p:style>
+        <p:txBody>
+          <a:bodyPr rtlCol="0" anchor="ctr"/>
           <a:lstStyle/>
           <a:p>
-            <a:r>
-              <a:rPr lang="en-US" dirty="0"/>
-              <a:t>Domain Model</a:t>
-            </a:r>
+            <a:pPr algn="ctr"/>
+            <a:endParaRPr lang="en-US"/>
+          </a:p>
+        </p:txBody>
+      </p:sp>
+      <p:sp>
+        <p:nvSpPr>
+          <p:cNvPr id="18" name="Rectangle 17">
+            <a:extLst>
+              <a:ext uri="{FF2B5EF4-FFF2-40B4-BE49-F238E27FC236}">
+                <a16:creationId xmlns:a16="http://schemas.microsoft.com/office/drawing/2014/main" xmlns="" id="{B62BF453-BD82-4B90-9FE7-51703133806E}"/>
+              </a:ext>
+            </a:extLst>
+          </p:cNvPr>
+          <p:cNvSpPr>
+            <a:spLocks noGrp="1" noRot="1" noChangeAspect="1" noMove="1" noResize="1" noEditPoints="1" noAdjustHandles="1" noChangeArrowheads="1" noChangeShapeType="1" noTextEdit="1"/>
+          </p:cNvSpPr>
+          <p:nvPr>
+            <p:extLst>
+              <p:ext uri="{386F3935-93C4-4BCD-93E2-E3B085C9AB24}">
+                <p16:designElem xmlns:p16="http://schemas.microsoft.com/office/powerpoint/2015/main" val="1"/>
+              </p:ext>
+            </p:extLst>
+          </p:nvPr>
+        </p:nvSpPr>
+        <p:spPr>
+          <a:xfrm>
+            <a:off x="457200" y="0"/>
+            <a:ext cx="10835640" cy="6858000"/>
+          </a:xfrm>
+          <a:prstGeom prst="rect">
+            <a:avLst/>
+          </a:prstGeom>
+          <a:solidFill>
+            <a:srgbClr val="353537"/>
+          </a:solidFill>
+          <a:ln>
+            <a:noFill/>
+          </a:ln>
+        </p:spPr>
+        <p:style>
+          <a:lnRef idx="2">
+            <a:schemeClr val="accent1">
+              <a:shade val="50000"/>
+            </a:schemeClr>
+          </a:lnRef>
+          <a:fillRef idx="1">
+            <a:schemeClr val="accent1"/>
+          </a:fillRef>
+          <a:effectRef idx="0">
+            <a:schemeClr val="accent1"/>
+          </a:effectRef>
+          <a:fontRef idx="minor">
+            <a:schemeClr val="lt1"/>
+          </a:fontRef>
+        </p:style>
+      </p:sp>
+      <p:sp useBgFill="1">
+        <p:nvSpPr>
+          <p:cNvPr id="20" name="Rectangle 19">
+            <a:extLst>
+              <a:ext uri="{FF2B5EF4-FFF2-40B4-BE49-F238E27FC236}">
+                <a16:creationId xmlns:a16="http://schemas.microsoft.com/office/drawing/2014/main" xmlns="" id="{072366D3-9B5C-42E1-9906-77FF6BB55EAB}"/>
+              </a:ext>
+            </a:extLst>
+          </p:cNvPr>
+          <p:cNvSpPr>
+            <a:spLocks noGrp="1" noRot="1" noChangeAspect="1" noMove="1" noResize="1" noEditPoints="1" noAdjustHandles="1" noChangeArrowheads="1" noChangeShapeType="1" noTextEdit="1"/>
+          </p:cNvSpPr>
+          <p:nvPr>
+            <p:extLst>
+              <p:ext uri="{386F3935-93C4-4BCD-93E2-E3B085C9AB24}">
+                <p16:designElem xmlns:p16="http://schemas.microsoft.com/office/powerpoint/2015/main" val="1"/>
+              </p:ext>
+            </p:extLst>
+          </p:nvPr>
+        </p:nvSpPr>
+        <p:spPr>
+          <a:xfrm>
+            <a:off x="452283" y="0"/>
+            <a:ext cx="7561007" cy="6858000"/>
+          </a:xfrm>
+          <a:prstGeom prst="rect">
+            <a:avLst/>
+          </a:prstGeom>
+          <a:ln>
+            <a:noFill/>
+          </a:ln>
+        </p:spPr>
+        <p:style>
+          <a:lnRef idx="2">
+            <a:schemeClr val="accent1">
+              <a:shade val="50000"/>
+            </a:schemeClr>
+          </a:lnRef>
+          <a:fillRef idx="1">
+            <a:schemeClr val="accent1"/>
+          </a:fillRef>
+          <a:effectRef idx="0">
+            <a:schemeClr val="accent1"/>
+          </a:effectRef>
+          <a:fontRef idx="minor">
+            <a:schemeClr val="lt1"/>
+          </a:fontRef>
+        </p:style>
+        <p:txBody>
+          <a:bodyPr rtlCol="0" anchor="ctr"/>
+          <a:lstStyle/>
+          <a:p>
+            <a:pPr algn="ctr"/>
+            <a:endParaRPr lang="en-US"/>
           </a:p>
         </p:txBody>
       </p:sp>
       <p:pic>
         <p:nvPicPr>
-          <p:cNvPr id="4" name="Picture 3" descr="Domain%20Model/domain%20model.png"/>
+          <p:cNvPr id="7" name="Picture 6" descr="DesignArchitecture.png"/>
           <p:cNvPicPr/>
           <p:nvPr/>
         </p:nvPicPr>
@@ -5150,59 +4783,49 @@
         </p:blipFill>
         <p:spPr bwMode="auto">
           <a:xfrm>
-            <a:off x="4932009" y="0"/>
-            <a:ext cx="7365091" cy="6858000"/>
+            <a:off x="924375" y="1209121"/>
+            <a:ext cx="6616823" cy="4433269"/>
           </a:xfrm>
           <a:prstGeom prst="rect">
             <a:avLst/>
           </a:prstGeom>
           <a:noFill/>
-          <a:ln>
-            <a:noFill/>
-          </a:ln>
         </p:spPr>
       </p:pic>
       <p:sp>
         <p:nvSpPr>
-          <p:cNvPr id="6" name="Content Placeholder 2"/>
-          <p:cNvSpPr>
-            <a:spLocks noGrp="1"/>
-          </p:cNvSpPr>
-          <p:nvPr>
-            <p:ph idx="1"/>
+          <p:cNvPr id="2" name="Title 1"/>
+          <p:cNvSpPr>
+            <a:spLocks noGrp="1"/>
+          </p:cNvSpPr>
+          <p:nvPr>
+            <p:ph type="title"/>
           </p:nvPr>
         </p:nvSpPr>
         <p:spPr>
           <a:xfrm>
-            <a:off x="1261872" y="1828800"/>
-            <a:ext cx="8595360" cy="4351337"/>
+            <a:off x="8318090" y="758952"/>
+            <a:ext cx="2802194" cy="4041648"/>
           </a:xfrm>
         </p:spPr>
         <p:txBody>
-          <a:bodyPr/>
+          <a:bodyPr vert="horz" lIns="91440" tIns="45720" rIns="91440" bIns="45720" rtlCol="0" anchor="b">
+            <a:normAutofit/>
+          </a:bodyPr>
           <a:lstStyle/>
           <a:p>
-            <a:r>
-              <a:rPr lang="en-US" dirty="0"/>
-              <a:t>Game</a:t>
-            </a:r>
-          </a:p>
-          <a:p>
-            <a:r>
-              <a:rPr lang="en-US" dirty="0"/>
-              <a:t>Wave</a:t>
-            </a:r>
-          </a:p>
-          <a:p>
-            <a:r>
-              <a:rPr lang="en-US" dirty="0"/>
-              <a:t>Player</a:t>
-            </a:r>
-          </a:p>
-          <a:p>
-            <a:r>
-              <a:rPr lang="en-US" dirty="0"/>
-              <a:t>Map</a:t>
+            <a:pPr>
+              <a:lnSpc>
+                <a:spcPct val="85000"/>
+              </a:lnSpc>
+            </a:pPr>
+            <a:r>
+              <a:rPr lang="en-US" sz="4100">
+                <a:solidFill>
+                  <a:srgbClr val="FFFFFF"/>
+                </a:solidFill>
+              </a:rPr>
+              <a:t>Project Architecture</a:t>
             </a:r>
           </a:p>
         </p:txBody>
@@ -5210,290 +4833,27 @@
     </p:spTree>
     <p:extLst>
       <p:ext uri="{BB962C8B-B14F-4D97-AF65-F5344CB8AC3E}">
-        <p14:creationId xmlns:p14="http://schemas.microsoft.com/office/powerpoint/2010/main" val="2015178292"/>
+        <p14:creationId xmlns:p14="http://schemas.microsoft.com/office/powerpoint/2010/main" val="101048174"/>
       </p:ext>
     </p:extLst>
   </p:cSld>
   <p:clrMapOvr>
-    <a:masterClrMapping/>
+    <a:overrideClrMapping bg1="lt1" tx1="dk1" bg2="lt2" tx2="dk2" accent1="accent1" accent2="accent2" accent3="accent3" accent4="accent4" accent5="accent5" accent6="accent6" hlink="hlink" folHlink="folHlink"/>
   </p:clrMapOvr>
-  <p:timing>
-    <p:tnLst>
-      <p:par>
-        <p:cTn id="1" dur="indefinite" restart="never" nodeType="tmRoot">
-          <p:childTnLst>
-            <p:seq concurrent="1" nextAc="seek">
-              <p:cTn id="2" dur="indefinite" nodeType="mainSeq">
-                <p:childTnLst>
-                  <p:par>
-                    <p:cTn id="3" fill="hold">
-                      <p:stCondLst>
-                        <p:cond delay="indefinite"/>
-                      </p:stCondLst>
-                      <p:childTnLst>
-                        <p:par>
-                          <p:cTn id="4" fill="hold">
-                            <p:stCondLst>
-                              <p:cond delay="0"/>
-                            </p:stCondLst>
-                            <p:childTnLst>
-                              <p:par>
-                                <p:cTn id="5" presetID="1" presetClass="entr" presetSubtype="0" fill="hold" nodeType="clickEffect">
-                                  <p:stCondLst>
-                                    <p:cond delay="0"/>
-                                  </p:stCondLst>
-                                  <p:childTnLst>
-                                    <p:set>
-                                      <p:cBhvr>
-                                        <p:cTn id="6" dur="1" fill="hold">
-                                          <p:stCondLst>
-                                            <p:cond delay="0"/>
-                                          </p:stCondLst>
-                                        </p:cTn>
-                                        <p:tgtEl>
-                                          <p:spTgt spid="4"/>
-                                        </p:tgtEl>
-                                        <p:attrNameLst>
-                                          <p:attrName>style.visibility</p:attrName>
-                                        </p:attrNameLst>
-                                      </p:cBhvr>
-                                      <p:to>
-                                        <p:strVal val="visible"/>
-                                      </p:to>
-                                    </p:set>
-                                  </p:childTnLst>
-                                </p:cTn>
-                              </p:par>
-                            </p:childTnLst>
-                          </p:cTn>
-                        </p:par>
-                      </p:childTnLst>
-                    </p:cTn>
-                  </p:par>
-                  <p:par>
-                    <p:cTn id="7" fill="hold">
-                      <p:stCondLst>
-                        <p:cond delay="indefinite"/>
-                      </p:stCondLst>
-                      <p:childTnLst>
-                        <p:par>
-                          <p:cTn id="8" fill="hold">
-                            <p:stCondLst>
-                              <p:cond delay="0"/>
-                            </p:stCondLst>
-                            <p:childTnLst>
-                              <p:par>
-                                <p:cTn id="9" presetID="1" presetClass="entr" presetSubtype="0" fill="hold" nodeType="clickEffect">
-                                  <p:stCondLst>
-                                    <p:cond delay="0"/>
-                                  </p:stCondLst>
-                                  <p:childTnLst>
-                                    <p:set>
-                                      <p:cBhvr>
-                                        <p:cTn id="10" dur="1" fill="hold">
-                                          <p:stCondLst>
-                                            <p:cond delay="0"/>
-                                          </p:stCondLst>
-                                        </p:cTn>
-                                        <p:tgtEl>
-                                          <p:spTgt spid="6">
-                                            <p:txEl>
-                                              <p:pRg st="0" end="0"/>
-                                            </p:txEl>
-                                          </p:spTgt>
-                                        </p:tgtEl>
-                                        <p:attrNameLst>
-                                          <p:attrName>style.visibility</p:attrName>
-                                        </p:attrNameLst>
-                                      </p:cBhvr>
-                                      <p:to>
-                                        <p:strVal val="visible"/>
-                                      </p:to>
-                                    </p:set>
-                                  </p:childTnLst>
-                                </p:cTn>
-                              </p:par>
-                            </p:childTnLst>
-                          </p:cTn>
-                        </p:par>
-                      </p:childTnLst>
-                    </p:cTn>
-                  </p:par>
-                  <p:par>
-                    <p:cTn id="11" fill="hold">
-                      <p:stCondLst>
-                        <p:cond delay="indefinite"/>
-                      </p:stCondLst>
-                      <p:childTnLst>
-                        <p:par>
-                          <p:cTn id="12" fill="hold">
-                            <p:stCondLst>
-                              <p:cond delay="0"/>
-                            </p:stCondLst>
-                            <p:childTnLst>
-                              <p:par>
-                                <p:cTn id="13" presetID="1" presetClass="entr" presetSubtype="0" fill="hold" nodeType="clickEffect">
-                                  <p:stCondLst>
-                                    <p:cond delay="0"/>
-                                  </p:stCondLst>
-                                  <p:childTnLst>
-                                    <p:set>
-                                      <p:cBhvr>
-                                        <p:cTn id="14" dur="1" fill="hold">
-                                          <p:stCondLst>
-                                            <p:cond delay="0"/>
-                                          </p:stCondLst>
-                                        </p:cTn>
-                                        <p:tgtEl>
-                                          <p:spTgt spid="6">
-                                            <p:txEl>
-                                              <p:pRg st="1" end="1"/>
-                                            </p:txEl>
-                                          </p:spTgt>
-                                        </p:tgtEl>
-                                        <p:attrNameLst>
-                                          <p:attrName>style.visibility</p:attrName>
-                                        </p:attrNameLst>
-                                      </p:cBhvr>
-                                      <p:to>
-                                        <p:strVal val="visible"/>
-                                      </p:to>
-                                    </p:set>
-                                  </p:childTnLst>
-                                </p:cTn>
-                              </p:par>
-                            </p:childTnLst>
-                          </p:cTn>
-                        </p:par>
-                      </p:childTnLst>
-                    </p:cTn>
-                  </p:par>
-                  <p:par>
-                    <p:cTn id="15" fill="hold">
-                      <p:stCondLst>
-                        <p:cond delay="indefinite"/>
-                      </p:stCondLst>
-                      <p:childTnLst>
-                        <p:par>
-                          <p:cTn id="16" fill="hold">
-                            <p:stCondLst>
-                              <p:cond delay="0"/>
-                            </p:stCondLst>
-                            <p:childTnLst>
-                              <p:par>
-                                <p:cTn id="17" presetID="1" presetClass="entr" presetSubtype="0" fill="hold" nodeType="clickEffect">
-                                  <p:stCondLst>
-                                    <p:cond delay="0"/>
-                                  </p:stCondLst>
-                                  <p:childTnLst>
-                                    <p:set>
-                                      <p:cBhvr>
-                                        <p:cTn id="18" dur="1" fill="hold">
-                                          <p:stCondLst>
-                                            <p:cond delay="0"/>
-                                          </p:stCondLst>
-                                        </p:cTn>
-                                        <p:tgtEl>
-                                          <p:spTgt spid="6">
-                                            <p:txEl>
-                                              <p:pRg st="2" end="2"/>
-                                            </p:txEl>
-                                          </p:spTgt>
-                                        </p:tgtEl>
-                                        <p:attrNameLst>
-                                          <p:attrName>style.visibility</p:attrName>
-                                        </p:attrNameLst>
-                                      </p:cBhvr>
-                                      <p:to>
-                                        <p:strVal val="visible"/>
-                                      </p:to>
-                                    </p:set>
-                                  </p:childTnLst>
-                                </p:cTn>
-                              </p:par>
-                            </p:childTnLst>
-                          </p:cTn>
-                        </p:par>
-                      </p:childTnLst>
-                    </p:cTn>
-                  </p:par>
-                  <p:par>
-                    <p:cTn id="19" fill="hold">
-                      <p:stCondLst>
-                        <p:cond delay="indefinite"/>
-                      </p:stCondLst>
-                      <p:childTnLst>
-                        <p:par>
-                          <p:cTn id="20" fill="hold">
-                            <p:stCondLst>
-                              <p:cond delay="0"/>
-                            </p:stCondLst>
-                            <p:childTnLst>
-                              <p:par>
-                                <p:cTn id="21" presetID="1" presetClass="entr" presetSubtype="0" fill="hold" nodeType="clickEffect">
-                                  <p:stCondLst>
-                                    <p:cond delay="0"/>
-                                  </p:stCondLst>
-                                  <p:childTnLst>
-                                    <p:set>
-                                      <p:cBhvr>
-                                        <p:cTn id="22" dur="1" fill="hold">
-                                          <p:stCondLst>
-                                            <p:cond delay="0"/>
-                                          </p:stCondLst>
-                                        </p:cTn>
-                                        <p:tgtEl>
-                                          <p:spTgt spid="6">
-                                            <p:txEl>
-                                              <p:pRg st="3" end="3"/>
-                                            </p:txEl>
-                                          </p:spTgt>
-                                        </p:tgtEl>
-                                        <p:attrNameLst>
-                                          <p:attrName>style.visibility</p:attrName>
-                                        </p:attrNameLst>
-                                      </p:cBhvr>
-                                      <p:to>
-                                        <p:strVal val="visible"/>
-                                      </p:to>
-                                    </p:set>
-                                  </p:childTnLst>
-                                </p:cTn>
-                              </p:par>
-                            </p:childTnLst>
-                          </p:cTn>
-                        </p:par>
-                      </p:childTnLst>
-                    </p:cTn>
-                  </p:par>
-                </p:childTnLst>
-              </p:cTn>
-              <p:prevCondLst>
-                <p:cond evt="onPrev" delay="0">
-                  <p:tgtEl>
-                    <p:sldTgt/>
-                  </p:tgtEl>
-                </p:cond>
-              </p:prevCondLst>
-              <p:nextCondLst>
-                <p:cond evt="onNext" delay="0">
-                  <p:tgtEl>
-                    <p:sldTgt/>
-                  </p:tgtEl>
-                </p:cond>
-              </p:nextCondLst>
-            </p:seq>
-          </p:childTnLst>
-        </p:cTn>
-      </p:par>
-    </p:tnLst>
-  </p:timing>
 </p:sld>
 </file>
 
-<file path=ppt/slides/slide5.xml><?xml version="1.0" encoding="utf-8"?>
+<file path=ppt/slides/slide4.xml><?xml version="1.0" encoding="utf-8"?>
 <p:sld xmlns:a="http://schemas.openxmlformats.org/drawingml/2006/main" xmlns:r="http://schemas.openxmlformats.org/officeDocument/2006/relationships" xmlns:p="http://schemas.openxmlformats.org/presentationml/2006/main">
   <p:cSld>
+    <p:bg>
+      <p:bgPr>
+        <a:solidFill>
+          <a:schemeClr val="bg1"/>
+        </a:solidFill>
+        <a:effectLst/>
+      </p:bgPr>
+    </p:bg>
     <p:spTree>
       <p:nvGrpSpPr>
         <p:cNvPr id="1" name=""/>
@@ -5510,762 +4870,518 @@
       </p:grpSpPr>
       <p:sp>
         <p:nvSpPr>
-          <p:cNvPr id="2" name="Title 1"/>
-          <p:cNvSpPr>
-            <a:spLocks noGrp="1"/>
-          </p:cNvSpPr>
-          <p:nvPr>
-            <p:ph type="title"/>
-          </p:nvPr>
-        </p:nvSpPr>
-        <p:spPr/>
-        <p:txBody>
-          <a:bodyPr/>
-          <a:lstStyle/>
-          <a:p>
-            <a:r>
-              <a:rPr lang="en-US" dirty="0"/>
-              <a:t>Additional Specifications</a:t>
-            </a:r>
-          </a:p>
-        </p:txBody>
-      </p:sp>
-      <p:graphicFrame>
-        <p:nvGraphicFramePr>
-          <p:cNvPr id="4" name="Content Placeholder 3"/>
-          <p:cNvGraphicFramePr>
-            <a:graphicFrameLocks noGrp="1"/>
-          </p:cNvGraphicFramePr>
-          <p:nvPr>
-            <p:ph idx="1"/>
+          <p:cNvPr id="12" name="Rectangle 11">
+            <a:extLst>
+              <a:ext uri="{FF2B5EF4-FFF2-40B4-BE49-F238E27FC236}">
+                <a16:creationId xmlns:a16="http://schemas.microsoft.com/office/drawing/2014/main" xmlns="" id="{5D5E0904-721C-4D68-9EB8-1C9752E329A7}"/>
+              </a:ext>
+            </a:extLst>
+          </p:cNvPr>
+          <p:cNvSpPr>
+            <a:spLocks noGrp="1" noRot="1" noChangeAspect="1" noMove="1" noResize="1" noEditPoints="1" noAdjustHandles="1" noChangeArrowheads="1" noChangeShapeType="1" noTextEdit="1"/>
+          </p:cNvSpPr>
+          <p:nvPr>
             <p:extLst>
-              <p:ext uri="{D42A27DB-BD31-4B8C-83A1-F6EECF244321}">
-                <p14:modId xmlns:p14="http://schemas.microsoft.com/office/powerpoint/2010/main" val="322112859"/>
+              <p:ext uri="{386F3935-93C4-4BCD-93E2-E3B085C9AB24}">
+                <p16:designElem xmlns:p16="http://schemas.microsoft.com/office/powerpoint/2015/main" val="1"/>
               </p:ext>
             </p:extLst>
           </p:nvPr>
-        </p:nvGraphicFramePr>
-        <p:xfrm>
-          <a:off x="1261872" y="2114550"/>
-          <a:ext cx="8753666" cy="3629024"/>
-        </p:xfrm>
-        <a:graphic>
-          <a:graphicData uri="http://schemas.openxmlformats.org/drawingml/2006/table">
-            <a:tbl>
-              <a:tblPr firstRow="1" bandRow="1">
-                <a:tableStyleId>{5C22544A-7EE6-4342-B048-85BDC9FD1C3A}</a:tableStyleId>
-              </a:tblPr>
-              <a:tblGrid>
-                <a:gridCol w="1105625">
-                  <a:extLst>
-                    <a:ext uri="{9D8B030D-6E8A-4147-A177-3AD203B41FA5}">
-                      <a16:colId xmlns:a16="http://schemas.microsoft.com/office/drawing/2014/main" val="20000"/>
-                    </a:ext>
-                  </a:extLst>
-                </a:gridCol>
-                <a:gridCol w="4949075">
-                  <a:extLst>
-                    <a:ext uri="{9D8B030D-6E8A-4147-A177-3AD203B41FA5}">
-                      <a16:colId xmlns:a16="http://schemas.microsoft.com/office/drawing/2014/main" val="20001"/>
-                    </a:ext>
-                  </a:extLst>
-                </a:gridCol>
-                <a:gridCol w="2698966">
-                  <a:extLst>
-                    <a:ext uri="{9D8B030D-6E8A-4147-A177-3AD203B41FA5}">
-                      <a16:colId xmlns:a16="http://schemas.microsoft.com/office/drawing/2014/main" val="20002"/>
-                    </a:ext>
-                  </a:extLst>
-                </a:gridCol>
-              </a:tblGrid>
-              <a:tr h="226814">
-                <a:tc>
-                  <a:txBody>
-                    <a:bodyPr/>
-                    <a:lstStyle/>
-                    <a:p>
-                      <a:pPr>
-                        <a:spcAft>
-                          <a:spcPts val="0"/>
-                        </a:spcAft>
-                      </a:pPr>
-                      <a:r>
-                        <a:rPr lang="en-US" sz="1200">
-                          <a:effectLst/>
-                        </a:rPr>
-                        <a:t>Number</a:t>
-                      </a:r>
-                      <a:endParaRPr lang="en-GB" sz="1200">
-                        <a:effectLst/>
-                        <a:latin typeface="Calibri" charset="0"/>
-                        <a:ea typeface="Calibri" charset="0"/>
-                        <a:cs typeface="Times New Roman" charset="0"/>
-                      </a:endParaRPr>
-                    </a:p>
-                  </a:txBody>
-                  <a:tcPr marL="68580" marR="68580" marT="0" marB="0"/>
-                </a:tc>
-                <a:tc>
-                  <a:txBody>
-                    <a:bodyPr/>
-                    <a:lstStyle/>
-                    <a:p>
-                      <a:pPr>
-                        <a:spcAft>
-                          <a:spcPts val="0"/>
-                        </a:spcAft>
-                      </a:pPr>
-                      <a:r>
-                        <a:rPr lang="en-US" sz="1200">
-                          <a:effectLst/>
-                        </a:rPr>
-                        <a:t>Description</a:t>
-                      </a:r>
-                      <a:endParaRPr lang="en-GB" sz="1200">
-                        <a:effectLst/>
-                        <a:latin typeface="Calibri" charset="0"/>
-                        <a:ea typeface="Calibri" charset="0"/>
-                        <a:cs typeface="Times New Roman" charset="0"/>
-                      </a:endParaRPr>
-                    </a:p>
-                  </a:txBody>
-                  <a:tcPr marL="68580" marR="68580" marT="0" marB="0"/>
-                </a:tc>
-                <a:tc>
-                  <a:txBody>
-                    <a:bodyPr/>
-                    <a:lstStyle/>
-                    <a:p>
-                      <a:pPr>
-                        <a:spcAft>
-                          <a:spcPts val="0"/>
-                        </a:spcAft>
-                      </a:pPr>
-                      <a:r>
-                        <a:rPr lang="en-US" sz="1200">
-                          <a:effectLst/>
-                        </a:rPr>
-                        <a:t>Category</a:t>
-                      </a:r>
-                      <a:endParaRPr lang="en-GB" sz="1200">
-                        <a:effectLst/>
-                        <a:latin typeface="Calibri" charset="0"/>
-                        <a:ea typeface="Calibri" charset="0"/>
-                        <a:cs typeface="Times New Roman" charset="0"/>
-                      </a:endParaRPr>
-                    </a:p>
-                  </a:txBody>
-                  <a:tcPr marL="68580" marR="68580" marT="0" marB="0"/>
-                </a:tc>
-                <a:extLst>
-                  <a:ext uri="{0D108BD9-81ED-4DB2-BD59-A6C34878D82A}">
-                    <a16:rowId xmlns:a16="http://schemas.microsoft.com/office/drawing/2014/main" val="10000"/>
-                  </a:ext>
-                </a:extLst>
-              </a:tr>
-              <a:tr h="453628">
-                <a:tc>
-                  <a:txBody>
-                    <a:bodyPr/>
-                    <a:lstStyle/>
-                    <a:p>
-                      <a:pPr>
-                        <a:spcAft>
-                          <a:spcPts val="0"/>
-                        </a:spcAft>
-                      </a:pPr>
-                      <a:r>
-                        <a:rPr lang="en-US" sz="1200">
-                          <a:effectLst/>
-                        </a:rPr>
-                        <a:t>AS1</a:t>
-                      </a:r>
-                      <a:endParaRPr lang="en-GB" sz="1200">
-                        <a:effectLst/>
-                        <a:latin typeface="Calibri" charset="0"/>
-                        <a:ea typeface="Calibri" charset="0"/>
-                        <a:cs typeface="Times New Roman" charset="0"/>
-                      </a:endParaRPr>
-                    </a:p>
-                  </a:txBody>
-                  <a:tcPr marL="68580" marR="68580" marT="0" marB="0"/>
-                </a:tc>
-                <a:tc>
-                  <a:txBody>
-                    <a:bodyPr/>
-                    <a:lstStyle/>
-                    <a:p>
-                      <a:pPr>
-                        <a:spcAft>
-                          <a:spcPts val="0"/>
-                        </a:spcAft>
-                      </a:pPr>
-                      <a:r>
-                        <a:rPr lang="en-US" sz="1200">
-                          <a:effectLst/>
-                        </a:rPr>
-                        <a:t>The game is supported on Java version 8 and above.</a:t>
-                      </a:r>
-                      <a:endParaRPr lang="en-GB" sz="1200">
-                        <a:effectLst/>
-                        <a:latin typeface="Calibri" charset="0"/>
-                        <a:ea typeface="Calibri" charset="0"/>
-                        <a:cs typeface="Times New Roman" charset="0"/>
-                      </a:endParaRPr>
-                    </a:p>
-                  </a:txBody>
-                  <a:tcPr marL="68580" marR="68580" marT="0" marB="0"/>
-                </a:tc>
-                <a:tc>
-                  <a:txBody>
-                    <a:bodyPr/>
-                    <a:lstStyle/>
-                    <a:p>
-                      <a:pPr>
-                        <a:spcAft>
-                          <a:spcPts val="0"/>
-                        </a:spcAft>
-                      </a:pPr>
-                      <a:r>
-                        <a:rPr lang="en-US" sz="1200">
-                          <a:effectLst/>
-                        </a:rPr>
-                        <a:t>Functionality</a:t>
-                      </a:r>
-                      <a:endParaRPr lang="en-GB" sz="1200">
-                        <a:effectLst/>
-                        <a:latin typeface="Calibri" charset="0"/>
-                        <a:ea typeface="Calibri" charset="0"/>
-                        <a:cs typeface="Times New Roman" charset="0"/>
-                      </a:endParaRPr>
-                    </a:p>
-                  </a:txBody>
-                  <a:tcPr marL="68580" marR="68580" marT="0" marB="0"/>
-                </a:tc>
-                <a:extLst>
-                  <a:ext uri="{0D108BD9-81ED-4DB2-BD59-A6C34878D82A}">
-                    <a16:rowId xmlns:a16="http://schemas.microsoft.com/office/drawing/2014/main" val="10001"/>
-                  </a:ext>
-                </a:extLst>
-              </a:tr>
-              <a:tr h="453628">
-                <a:tc>
-                  <a:txBody>
-                    <a:bodyPr/>
-                    <a:lstStyle/>
-                    <a:p>
-                      <a:pPr>
-                        <a:spcAft>
-                          <a:spcPts val="0"/>
-                        </a:spcAft>
-                      </a:pPr>
-                      <a:r>
-                        <a:rPr lang="en-US" sz="1200">
-                          <a:effectLst/>
-                        </a:rPr>
-                        <a:t>AS2</a:t>
-                      </a:r>
-                      <a:endParaRPr lang="en-GB" sz="1200">
-                        <a:effectLst/>
-                        <a:latin typeface="Calibri" charset="0"/>
-                        <a:ea typeface="Calibri" charset="0"/>
-                        <a:cs typeface="Times New Roman" charset="0"/>
-                      </a:endParaRPr>
-                    </a:p>
-                  </a:txBody>
-                  <a:tcPr marL="68580" marR="68580" marT="0" marB="0"/>
-                </a:tc>
-                <a:tc>
-                  <a:txBody>
-                    <a:bodyPr/>
-                    <a:lstStyle/>
-                    <a:p>
-                      <a:pPr>
-                        <a:spcAft>
-                          <a:spcPts val="0"/>
-                        </a:spcAft>
-                      </a:pPr>
-                      <a:r>
-                        <a:rPr lang="en-US" sz="1200" dirty="0">
-                          <a:effectLst/>
-                        </a:rPr>
-                        <a:t>The game may be played with a mouse or a touch display.</a:t>
-                      </a:r>
-                      <a:endParaRPr lang="en-GB" sz="1200" dirty="0">
-                        <a:effectLst/>
-                        <a:latin typeface="Calibri" charset="0"/>
-                        <a:ea typeface="Calibri" charset="0"/>
-                        <a:cs typeface="Times New Roman" charset="0"/>
-                      </a:endParaRPr>
-                    </a:p>
-                  </a:txBody>
-                  <a:tcPr marL="68580" marR="68580" marT="0" marB="0"/>
-                </a:tc>
-                <a:tc>
-                  <a:txBody>
-                    <a:bodyPr/>
-                    <a:lstStyle/>
-                    <a:p>
-                      <a:pPr>
-                        <a:spcAft>
-                          <a:spcPts val="0"/>
-                        </a:spcAft>
-                      </a:pPr>
-                      <a:r>
-                        <a:rPr lang="en-US" sz="1200">
-                          <a:effectLst/>
-                        </a:rPr>
-                        <a:t>Functionality</a:t>
-                      </a:r>
-                      <a:endParaRPr lang="en-GB" sz="1200">
-                        <a:effectLst/>
-                        <a:latin typeface="Calibri" charset="0"/>
-                        <a:ea typeface="Calibri" charset="0"/>
-                        <a:cs typeface="Times New Roman" charset="0"/>
-                      </a:endParaRPr>
-                    </a:p>
-                  </a:txBody>
-                  <a:tcPr marL="68580" marR="68580" marT="0" marB="0"/>
-                </a:tc>
-                <a:extLst>
-                  <a:ext uri="{0D108BD9-81ED-4DB2-BD59-A6C34878D82A}">
-                    <a16:rowId xmlns:a16="http://schemas.microsoft.com/office/drawing/2014/main" val="10002"/>
-                  </a:ext>
-                </a:extLst>
-              </a:tr>
-              <a:tr h="453628">
-                <a:tc>
-                  <a:txBody>
-                    <a:bodyPr/>
-                    <a:lstStyle/>
-                    <a:p>
-                      <a:pPr>
-                        <a:spcAft>
-                          <a:spcPts val="0"/>
-                        </a:spcAft>
-                      </a:pPr>
-                      <a:r>
-                        <a:rPr lang="en-US" sz="1200">
-                          <a:effectLst/>
-                        </a:rPr>
-                        <a:t>AS3</a:t>
-                      </a:r>
-                      <a:endParaRPr lang="en-GB" sz="1200">
-                        <a:effectLst/>
-                        <a:latin typeface="Calibri" charset="0"/>
-                        <a:ea typeface="Calibri" charset="0"/>
-                        <a:cs typeface="Times New Roman" charset="0"/>
-                      </a:endParaRPr>
-                    </a:p>
-                  </a:txBody>
-                  <a:tcPr marL="68580" marR="68580" marT="0" marB="0"/>
-                </a:tc>
-                <a:tc>
-                  <a:txBody>
-                    <a:bodyPr/>
-                    <a:lstStyle/>
-                    <a:p>
-                      <a:pPr>
-                        <a:spcAft>
-                          <a:spcPts val="0"/>
-                        </a:spcAft>
-                      </a:pPr>
-                      <a:r>
-                        <a:rPr lang="en-US" sz="1200">
-                          <a:effectLst/>
-                        </a:rPr>
-                        <a:t>The program runs on both Mac and Windows computers.</a:t>
-                      </a:r>
-                      <a:endParaRPr lang="en-GB" sz="1200">
-                        <a:effectLst/>
-                        <a:latin typeface="Calibri" charset="0"/>
-                        <a:ea typeface="Calibri" charset="0"/>
-                        <a:cs typeface="Times New Roman" charset="0"/>
-                      </a:endParaRPr>
-                    </a:p>
-                  </a:txBody>
-                  <a:tcPr marL="68580" marR="68580" marT="0" marB="0"/>
-                </a:tc>
-                <a:tc>
-                  <a:txBody>
-                    <a:bodyPr/>
-                    <a:lstStyle/>
-                    <a:p>
-                      <a:pPr>
-                        <a:spcAft>
-                          <a:spcPts val="0"/>
-                        </a:spcAft>
-                      </a:pPr>
-                      <a:r>
-                        <a:rPr lang="en-US" sz="1200">
-                          <a:effectLst/>
-                        </a:rPr>
-                        <a:t>Functionality</a:t>
-                      </a:r>
-                      <a:endParaRPr lang="en-GB" sz="1200">
-                        <a:effectLst/>
-                        <a:latin typeface="Calibri" charset="0"/>
-                        <a:ea typeface="Calibri" charset="0"/>
-                        <a:cs typeface="Times New Roman" charset="0"/>
-                      </a:endParaRPr>
-                    </a:p>
-                  </a:txBody>
-                  <a:tcPr marL="68580" marR="68580" marT="0" marB="0"/>
-                </a:tc>
-                <a:extLst>
-                  <a:ext uri="{0D108BD9-81ED-4DB2-BD59-A6C34878D82A}">
-                    <a16:rowId xmlns:a16="http://schemas.microsoft.com/office/drawing/2014/main" val="10003"/>
-                  </a:ext>
-                </a:extLst>
-              </a:tr>
-              <a:tr h="453628">
-                <a:tc>
-                  <a:txBody>
-                    <a:bodyPr/>
-                    <a:lstStyle/>
-                    <a:p>
-                      <a:pPr>
-                        <a:spcAft>
-                          <a:spcPts val="0"/>
-                        </a:spcAft>
-                      </a:pPr>
-                      <a:r>
-                        <a:rPr lang="en-US" sz="1200">
-                          <a:effectLst/>
-                        </a:rPr>
-                        <a:t>AS4</a:t>
-                      </a:r>
-                      <a:endParaRPr lang="en-GB" sz="1200">
-                        <a:effectLst/>
-                        <a:latin typeface="Calibri" charset="0"/>
-                        <a:ea typeface="Calibri" charset="0"/>
-                        <a:cs typeface="Times New Roman" charset="0"/>
-                      </a:endParaRPr>
-                    </a:p>
-                  </a:txBody>
-                  <a:tcPr marL="68580" marR="68580" marT="0" marB="0"/>
-                </a:tc>
-                <a:tc>
-                  <a:txBody>
-                    <a:bodyPr/>
-                    <a:lstStyle/>
-                    <a:p>
-                      <a:pPr>
-                        <a:spcAft>
-                          <a:spcPts val="0"/>
-                        </a:spcAft>
-                      </a:pPr>
-                      <a:r>
-                        <a:rPr lang="en-US" sz="1200">
-                          <a:effectLst/>
-                        </a:rPr>
-                        <a:t>The application does not crash under normal circumstances.</a:t>
-                      </a:r>
-                      <a:endParaRPr lang="en-GB" sz="1200">
-                        <a:effectLst/>
-                        <a:latin typeface="Calibri" charset="0"/>
-                        <a:ea typeface="Calibri" charset="0"/>
-                        <a:cs typeface="Times New Roman" charset="0"/>
-                      </a:endParaRPr>
-                    </a:p>
-                  </a:txBody>
-                  <a:tcPr marL="68580" marR="68580" marT="0" marB="0"/>
-                </a:tc>
-                <a:tc>
-                  <a:txBody>
-                    <a:bodyPr/>
-                    <a:lstStyle/>
-                    <a:p>
-                      <a:pPr>
-                        <a:spcAft>
-                          <a:spcPts val="0"/>
-                        </a:spcAft>
-                      </a:pPr>
-                      <a:r>
-                        <a:rPr lang="en-US" sz="1200">
-                          <a:effectLst/>
-                        </a:rPr>
-                        <a:t>Reliability</a:t>
-                      </a:r>
-                      <a:endParaRPr lang="en-GB" sz="1200">
-                        <a:effectLst/>
-                        <a:latin typeface="Calibri" charset="0"/>
-                        <a:ea typeface="Calibri" charset="0"/>
-                        <a:cs typeface="Times New Roman" charset="0"/>
-                      </a:endParaRPr>
-                    </a:p>
-                  </a:txBody>
-                  <a:tcPr marL="68580" marR="68580" marT="0" marB="0"/>
-                </a:tc>
-                <a:extLst>
-                  <a:ext uri="{0D108BD9-81ED-4DB2-BD59-A6C34878D82A}">
-                    <a16:rowId xmlns:a16="http://schemas.microsoft.com/office/drawing/2014/main" val="10004"/>
-                  </a:ext>
-                </a:extLst>
-              </a:tr>
-              <a:tr h="453628">
-                <a:tc>
-                  <a:txBody>
-                    <a:bodyPr/>
-                    <a:lstStyle/>
-                    <a:p>
-                      <a:pPr>
-                        <a:spcAft>
-                          <a:spcPts val="0"/>
-                        </a:spcAft>
-                      </a:pPr>
-                      <a:r>
-                        <a:rPr lang="en-US" sz="1200">
-                          <a:effectLst/>
-                        </a:rPr>
-                        <a:t>AS5</a:t>
-                      </a:r>
-                      <a:endParaRPr lang="en-GB" sz="1200">
-                        <a:effectLst/>
-                        <a:latin typeface="Calibri" charset="0"/>
-                        <a:ea typeface="Calibri" charset="0"/>
-                        <a:cs typeface="Times New Roman" charset="0"/>
-                      </a:endParaRPr>
-                    </a:p>
-                  </a:txBody>
-                  <a:tcPr marL="68580" marR="68580" marT="0" marB="0"/>
-                </a:tc>
-                <a:tc>
-                  <a:txBody>
-                    <a:bodyPr/>
-                    <a:lstStyle/>
-                    <a:p>
-                      <a:pPr>
-                        <a:spcAft>
-                          <a:spcPts val="0"/>
-                        </a:spcAft>
-                      </a:pPr>
-                      <a:r>
-                        <a:rPr lang="en-US" sz="1200">
-                          <a:effectLst/>
-                        </a:rPr>
-                        <a:t>Starting the game and loading a map should never take more than a few seconds.</a:t>
-                      </a:r>
-                      <a:endParaRPr lang="en-GB" sz="1200">
-                        <a:effectLst/>
-                        <a:latin typeface="Calibri" charset="0"/>
-                        <a:ea typeface="Calibri" charset="0"/>
-                        <a:cs typeface="Times New Roman" charset="0"/>
-                      </a:endParaRPr>
-                    </a:p>
-                  </a:txBody>
-                  <a:tcPr marL="68580" marR="68580" marT="0" marB="0"/>
-                </a:tc>
-                <a:tc>
-                  <a:txBody>
-                    <a:bodyPr/>
-                    <a:lstStyle/>
-                    <a:p>
-                      <a:pPr>
-                        <a:spcAft>
-                          <a:spcPts val="0"/>
-                        </a:spcAft>
-                      </a:pPr>
-                      <a:r>
-                        <a:rPr lang="en-US" sz="1200">
-                          <a:effectLst/>
-                        </a:rPr>
-                        <a:t>Performance</a:t>
-                      </a:r>
-                      <a:endParaRPr lang="en-GB" sz="1200">
-                        <a:effectLst/>
-                        <a:latin typeface="Calibri" charset="0"/>
-                        <a:ea typeface="Calibri" charset="0"/>
-                        <a:cs typeface="Times New Roman" charset="0"/>
-                      </a:endParaRPr>
-                    </a:p>
-                  </a:txBody>
-                  <a:tcPr marL="68580" marR="68580" marT="0" marB="0"/>
-                </a:tc>
-                <a:extLst>
-                  <a:ext uri="{0D108BD9-81ED-4DB2-BD59-A6C34878D82A}">
-                    <a16:rowId xmlns:a16="http://schemas.microsoft.com/office/drawing/2014/main" val="10005"/>
-                  </a:ext>
-                </a:extLst>
-              </a:tr>
-              <a:tr h="453628">
-                <a:tc>
-                  <a:txBody>
-                    <a:bodyPr/>
-                    <a:lstStyle/>
-                    <a:p>
-                      <a:pPr>
-                        <a:spcAft>
-                          <a:spcPts val="0"/>
-                        </a:spcAft>
-                      </a:pPr>
-                      <a:r>
-                        <a:rPr lang="en-US" sz="1200">
-                          <a:effectLst/>
-                        </a:rPr>
-                        <a:t>AS6</a:t>
-                      </a:r>
-                      <a:endParaRPr lang="en-GB" sz="1200">
-                        <a:effectLst/>
-                        <a:latin typeface="Calibri" charset="0"/>
-                        <a:ea typeface="Calibri" charset="0"/>
-                        <a:cs typeface="Times New Roman" charset="0"/>
-                      </a:endParaRPr>
-                    </a:p>
-                  </a:txBody>
-                  <a:tcPr marL="68580" marR="68580" marT="0" marB="0"/>
-                </a:tc>
-                <a:tc>
-                  <a:txBody>
-                    <a:bodyPr/>
-                    <a:lstStyle/>
-                    <a:p>
-                      <a:pPr>
-                        <a:spcAft>
-                          <a:spcPts val="0"/>
-                        </a:spcAft>
-                      </a:pPr>
-                      <a:r>
-                        <a:rPr lang="en-US" sz="1200" dirty="0">
-                          <a:effectLst/>
-                        </a:rPr>
-                        <a:t>The game should remain at a constant 60 frames per second while playing.</a:t>
-                      </a:r>
-                      <a:endParaRPr lang="en-GB" sz="1200" dirty="0">
-                        <a:effectLst/>
-                        <a:latin typeface="Calibri" charset="0"/>
-                        <a:ea typeface="Calibri" charset="0"/>
-                        <a:cs typeface="Times New Roman" charset="0"/>
-                      </a:endParaRPr>
-                    </a:p>
-                  </a:txBody>
-                  <a:tcPr marL="68580" marR="68580" marT="0" marB="0"/>
-                </a:tc>
-                <a:tc>
-                  <a:txBody>
-                    <a:bodyPr/>
-                    <a:lstStyle/>
-                    <a:p>
-                      <a:pPr>
-                        <a:spcAft>
-                          <a:spcPts val="0"/>
-                        </a:spcAft>
-                      </a:pPr>
-                      <a:r>
-                        <a:rPr lang="en-US" sz="1200">
-                          <a:effectLst/>
-                        </a:rPr>
-                        <a:t>Performance</a:t>
-                      </a:r>
-                      <a:endParaRPr lang="en-GB" sz="1200">
-                        <a:effectLst/>
-                        <a:latin typeface="Calibri" charset="0"/>
-                        <a:ea typeface="Calibri" charset="0"/>
-                        <a:cs typeface="Times New Roman" charset="0"/>
-                      </a:endParaRPr>
-                    </a:p>
-                  </a:txBody>
-                  <a:tcPr marL="68580" marR="68580" marT="0" marB="0"/>
-                </a:tc>
-                <a:extLst>
-                  <a:ext uri="{0D108BD9-81ED-4DB2-BD59-A6C34878D82A}">
-                    <a16:rowId xmlns:a16="http://schemas.microsoft.com/office/drawing/2014/main" val="10006"/>
-                  </a:ext>
-                </a:extLst>
-              </a:tr>
-              <a:tr h="680442">
-                <a:tc>
-                  <a:txBody>
-                    <a:bodyPr/>
-                    <a:lstStyle/>
-                    <a:p>
-                      <a:pPr>
-                        <a:spcAft>
-                          <a:spcPts val="0"/>
-                        </a:spcAft>
-                      </a:pPr>
-                      <a:r>
-                        <a:rPr lang="en-US" sz="1200">
-                          <a:effectLst/>
-                        </a:rPr>
-                        <a:t>AS7</a:t>
-                      </a:r>
-                      <a:endParaRPr lang="en-GB" sz="1200">
-                        <a:effectLst/>
-                        <a:latin typeface="Calibri" charset="0"/>
-                        <a:ea typeface="Calibri" charset="0"/>
-                        <a:cs typeface="Times New Roman" charset="0"/>
-                      </a:endParaRPr>
-                    </a:p>
-                  </a:txBody>
-                  <a:tcPr marL="68580" marR="68580" marT="0" marB="0"/>
-                </a:tc>
-                <a:tc>
-                  <a:txBody>
-                    <a:bodyPr/>
-                    <a:lstStyle/>
-                    <a:p>
-                      <a:pPr>
-                        <a:spcAft>
-                          <a:spcPts val="0"/>
-                        </a:spcAft>
-                      </a:pPr>
-                      <a:r>
-                        <a:rPr lang="en-US" sz="1200">
-                          <a:effectLst/>
-                        </a:rPr>
-                        <a:t>The code meets general quality standards so that it can be maintained or worked on by new developers without effort.</a:t>
-                      </a:r>
-                      <a:endParaRPr lang="en-GB" sz="1200">
-                        <a:effectLst/>
-                        <a:latin typeface="Calibri" charset="0"/>
-                        <a:ea typeface="Calibri" charset="0"/>
-                        <a:cs typeface="Times New Roman" charset="0"/>
-                      </a:endParaRPr>
-                    </a:p>
-                  </a:txBody>
-                  <a:tcPr marL="68580" marR="68580" marT="0" marB="0"/>
-                </a:tc>
-                <a:tc>
-                  <a:txBody>
-                    <a:bodyPr/>
-                    <a:lstStyle/>
-                    <a:p>
-                      <a:pPr>
-                        <a:spcAft>
-                          <a:spcPts val="0"/>
-                        </a:spcAft>
-                      </a:pPr>
-                      <a:r>
-                        <a:rPr lang="en-US" sz="1200" dirty="0">
-                          <a:effectLst/>
-                        </a:rPr>
-                        <a:t>Supportability</a:t>
-                      </a:r>
-                      <a:endParaRPr lang="en-GB" sz="1200" dirty="0">
-                        <a:effectLst/>
-                        <a:latin typeface="Calibri" charset="0"/>
-                        <a:ea typeface="Calibri" charset="0"/>
-                        <a:cs typeface="Times New Roman" charset="0"/>
-                      </a:endParaRPr>
-                    </a:p>
-                  </a:txBody>
-                  <a:tcPr marL="68580" marR="68580" marT="0" marB="0"/>
-                </a:tc>
-                <a:extLst>
-                  <a:ext uri="{0D108BD9-81ED-4DB2-BD59-A6C34878D82A}">
-                    <a16:rowId xmlns:a16="http://schemas.microsoft.com/office/drawing/2014/main" val="10007"/>
-                  </a:ext>
-                </a:extLst>
-              </a:tr>
-            </a:tbl>
-          </a:graphicData>
-        </a:graphic>
-      </p:graphicFrame>
+        </p:nvSpPr>
+        <p:spPr>
+          <a:xfrm>
+            <a:off x="0" y="0"/>
+            <a:ext cx="457200" cy="6858000"/>
+          </a:xfrm>
+          <a:prstGeom prst="rect">
+            <a:avLst/>
+          </a:prstGeom>
+          <a:solidFill>
+            <a:schemeClr val="accent1"/>
+          </a:solidFill>
+          <a:ln>
+            <a:noFill/>
+          </a:ln>
+        </p:spPr>
+        <p:style>
+          <a:lnRef idx="2">
+            <a:schemeClr val="accent1">
+              <a:shade val="50000"/>
+            </a:schemeClr>
+          </a:lnRef>
+          <a:fillRef idx="1">
+            <a:schemeClr val="accent1"/>
+          </a:fillRef>
+          <a:effectRef idx="0">
+            <a:schemeClr val="accent1"/>
+          </a:effectRef>
+          <a:fontRef idx="minor">
+            <a:schemeClr val="lt1"/>
+          </a:fontRef>
+        </p:style>
+      </p:sp>
+      <p:sp>
+        <p:nvSpPr>
+          <p:cNvPr id="14" name="Rectangle 13">
+            <a:extLst>
+              <a:ext uri="{FF2B5EF4-FFF2-40B4-BE49-F238E27FC236}">
+                <a16:creationId xmlns:a16="http://schemas.microsoft.com/office/drawing/2014/main" xmlns="" id="{121F5E60-4E89-4B16-A245-12BD9935998D}"/>
+              </a:ext>
+            </a:extLst>
+          </p:cNvPr>
+          <p:cNvSpPr>
+            <a:spLocks noGrp="1" noRot="1" noChangeAspect="1" noMove="1" noResize="1" noEditPoints="1" noAdjustHandles="1" noChangeArrowheads="1" noChangeShapeType="1" noTextEdit="1"/>
+          </p:cNvSpPr>
+          <p:nvPr>
+            <p:extLst>
+              <p:ext uri="{386F3935-93C4-4BCD-93E2-E3B085C9AB24}">
+                <p16:designElem xmlns:p16="http://schemas.microsoft.com/office/powerpoint/2015/main" val="1"/>
+              </p:ext>
+            </p:extLst>
+          </p:nvPr>
+        </p:nvSpPr>
+        <p:spPr>
+          <a:xfrm>
+            <a:off x="11292840" y="0"/>
+            <a:ext cx="899160" cy="6858000"/>
+          </a:xfrm>
+          <a:prstGeom prst="rect">
+            <a:avLst/>
+          </a:prstGeom>
+          <a:solidFill>
+            <a:srgbClr val="353537"/>
+          </a:solidFill>
+          <a:ln>
+            <a:noFill/>
+          </a:ln>
+        </p:spPr>
+        <p:style>
+          <a:lnRef idx="2">
+            <a:schemeClr val="accent1">
+              <a:shade val="50000"/>
+            </a:schemeClr>
+          </a:lnRef>
+          <a:fillRef idx="1">
+            <a:schemeClr val="accent1"/>
+          </a:fillRef>
+          <a:effectRef idx="0">
+            <a:schemeClr val="accent1"/>
+          </a:effectRef>
+          <a:fontRef idx="minor">
+            <a:schemeClr val="lt1"/>
+          </a:fontRef>
+        </p:style>
+        <p:txBody>
+          <a:bodyPr rtlCol="0" anchor="ctr"/>
+          <a:lstStyle/>
+          <a:p>
+            <a:pPr algn="ctr"/>
+            <a:endParaRPr lang="en-US"/>
+          </a:p>
+        </p:txBody>
+      </p:sp>
+      <p:sp>
+        <p:nvSpPr>
+          <p:cNvPr id="16" name="Rectangle 15">
+            <a:extLst>
+              <a:ext uri="{FF2B5EF4-FFF2-40B4-BE49-F238E27FC236}">
+                <a16:creationId xmlns:a16="http://schemas.microsoft.com/office/drawing/2014/main" xmlns="" id="{B298ECBA-3258-45DF-8FD4-7581736BCCBC}"/>
+              </a:ext>
+            </a:extLst>
+          </p:cNvPr>
+          <p:cNvSpPr>
+            <a:spLocks noGrp="1" noRot="1" noChangeAspect="1" noMove="1" noResize="1" noEditPoints="1" noAdjustHandles="1" noChangeArrowheads="1" noChangeShapeType="1" noTextEdit="1"/>
+          </p:cNvSpPr>
+          <p:nvPr>
+            <p:extLst>
+              <p:ext uri="{386F3935-93C4-4BCD-93E2-E3B085C9AB24}">
+                <p16:designElem xmlns:p16="http://schemas.microsoft.com/office/powerpoint/2015/main" val="1"/>
+              </p:ext>
+            </p:extLst>
+          </p:nvPr>
+        </p:nvSpPr>
+        <p:spPr>
+          <a:xfrm>
+            <a:off x="0" y="-3244"/>
+            <a:ext cx="457200" cy="6858000"/>
+          </a:xfrm>
+          <a:prstGeom prst="rect">
+            <a:avLst/>
+          </a:prstGeom>
+          <a:solidFill>
+            <a:srgbClr val="6F6F74"/>
+          </a:solidFill>
+          <a:ln>
+            <a:noFill/>
+          </a:ln>
+        </p:spPr>
+        <p:style>
+          <a:lnRef idx="2">
+            <a:schemeClr val="accent1">
+              <a:shade val="50000"/>
+            </a:schemeClr>
+          </a:lnRef>
+          <a:fillRef idx="1">
+            <a:schemeClr val="accent1"/>
+          </a:fillRef>
+          <a:effectRef idx="0">
+            <a:schemeClr val="accent1"/>
+          </a:effectRef>
+          <a:fontRef idx="minor">
+            <a:schemeClr val="lt1"/>
+          </a:fontRef>
+        </p:style>
+        <p:txBody>
+          <a:bodyPr rtlCol="0" anchor="ctr"/>
+          <a:lstStyle/>
+          <a:p>
+            <a:pPr algn="ctr"/>
+            <a:endParaRPr lang="en-US"/>
+          </a:p>
+        </p:txBody>
+      </p:sp>
+      <p:sp>
+        <p:nvSpPr>
+          <p:cNvPr id="18" name="Rectangle 17">
+            <a:extLst>
+              <a:ext uri="{FF2B5EF4-FFF2-40B4-BE49-F238E27FC236}">
+                <a16:creationId xmlns:a16="http://schemas.microsoft.com/office/drawing/2014/main" xmlns="" id="{B62BF453-BD82-4B90-9FE7-51703133806E}"/>
+              </a:ext>
+            </a:extLst>
+          </p:cNvPr>
+          <p:cNvSpPr>
+            <a:spLocks noGrp="1" noRot="1" noChangeAspect="1" noMove="1" noResize="1" noEditPoints="1" noAdjustHandles="1" noChangeArrowheads="1" noChangeShapeType="1" noTextEdit="1"/>
+          </p:cNvSpPr>
+          <p:nvPr>
+            <p:extLst>
+              <p:ext uri="{386F3935-93C4-4BCD-93E2-E3B085C9AB24}">
+                <p16:designElem xmlns:p16="http://schemas.microsoft.com/office/powerpoint/2015/main" val="1"/>
+              </p:ext>
+            </p:extLst>
+          </p:nvPr>
+        </p:nvSpPr>
+        <p:spPr>
+          <a:xfrm>
+            <a:off x="457200" y="0"/>
+            <a:ext cx="10835640" cy="6858000"/>
+          </a:xfrm>
+          <a:prstGeom prst="rect">
+            <a:avLst/>
+          </a:prstGeom>
+          <a:solidFill>
+            <a:srgbClr val="353537"/>
+          </a:solidFill>
+          <a:ln>
+            <a:noFill/>
+          </a:ln>
+        </p:spPr>
+        <p:style>
+          <a:lnRef idx="2">
+            <a:schemeClr val="accent1">
+              <a:shade val="50000"/>
+            </a:schemeClr>
+          </a:lnRef>
+          <a:fillRef idx="1">
+            <a:schemeClr val="accent1"/>
+          </a:fillRef>
+          <a:effectRef idx="0">
+            <a:schemeClr val="accent1"/>
+          </a:effectRef>
+          <a:fontRef idx="minor">
+            <a:schemeClr val="lt1"/>
+          </a:fontRef>
+        </p:style>
+      </p:sp>
+      <p:sp useBgFill="1">
+        <p:nvSpPr>
+          <p:cNvPr id="20" name="Rectangle 19">
+            <a:extLst>
+              <a:ext uri="{FF2B5EF4-FFF2-40B4-BE49-F238E27FC236}">
+                <a16:creationId xmlns:a16="http://schemas.microsoft.com/office/drawing/2014/main" xmlns="" id="{072366D3-9B5C-42E1-9906-77FF6BB55EAB}"/>
+              </a:ext>
+            </a:extLst>
+          </p:cNvPr>
+          <p:cNvSpPr>
+            <a:spLocks noGrp="1" noRot="1" noChangeAspect="1" noMove="1" noResize="1" noEditPoints="1" noAdjustHandles="1" noChangeArrowheads="1" noChangeShapeType="1" noTextEdit="1"/>
+          </p:cNvSpPr>
+          <p:nvPr>
+            <p:extLst>
+              <p:ext uri="{386F3935-93C4-4BCD-93E2-E3B085C9AB24}">
+                <p16:designElem xmlns:p16="http://schemas.microsoft.com/office/powerpoint/2015/main" val="1"/>
+              </p:ext>
+            </p:extLst>
+          </p:nvPr>
+        </p:nvSpPr>
+        <p:spPr>
+          <a:xfrm>
+            <a:off x="452283" y="0"/>
+            <a:ext cx="7561007" cy="6858000"/>
+          </a:xfrm>
+          <a:prstGeom prst="rect">
+            <a:avLst/>
+          </a:prstGeom>
+          <a:ln>
+            <a:noFill/>
+          </a:ln>
+        </p:spPr>
+        <p:style>
+          <a:lnRef idx="2">
+            <a:schemeClr val="accent1">
+              <a:shade val="50000"/>
+            </a:schemeClr>
+          </a:lnRef>
+          <a:fillRef idx="1">
+            <a:schemeClr val="accent1"/>
+          </a:fillRef>
+          <a:effectRef idx="0">
+            <a:schemeClr val="accent1"/>
+          </a:effectRef>
+          <a:fontRef idx="minor">
+            <a:schemeClr val="lt1"/>
+          </a:fontRef>
+        </p:style>
+        <p:txBody>
+          <a:bodyPr rtlCol="0" anchor="ctr"/>
+          <a:lstStyle/>
+          <a:p>
+            <a:pPr algn="ctr"/>
+            <a:endParaRPr lang="en-US"/>
+          </a:p>
+        </p:txBody>
+      </p:sp>
+      <p:pic>
+        <p:nvPicPr>
+          <p:cNvPr id="7" name="Grafik 8"/>
+          <p:cNvPicPr/>
+          <p:nvPr/>
+        </p:nvPicPr>
+        <p:blipFill>
+          <a:blip r:embed="rId2">
+            <a:extLst>
+              <a:ext uri="{28A0092B-C50C-407E-A947-70E740481C1C}">
+                <a14:useLocalDpi xmlns:a14="http://schemas.microsoft.com/office/drawing/2010/main" val="0"/>
+              </a:ext>
+            </a:extLst>
+          </a:blip>
+          <a:srcRect/>
+          <a:stretch>
+            <a:fillRect/>
+          </a:stretch>
+        </p:blipFill>
+        <p:spPr bwMode="auto">
+          <a:xfrm>
+            <a:off x="462117" y="758952"/>
+            <a:ext cx="7449983" cy="5177738"/>
+          </a:xfrm>
+          <a:prstGeom prst="rect">
+            <a:avLst/>
+          </a:prstGeom>
+          <a:noFill/>
+        </p:spPr>
+      </p:pic>
+      <p:sp>
+        <p:nvSpPr>
+          <p:cNvPr id="2" name="Title 1"/>
+          <p:cNvSpPr>
+            <a:spLocks noGrp="1"/>
+          </p:cNvSpPr>
+          <p:nvPr>
+            <p:ph type="title"/>
+          </p:nvPr>
+        </p:nvSpPr>
+        <p:spPr>
+          <a:xfrm>
+            <a:off x="8318090" y="758952"/>
+            <a:ext cx="2802194" cy="4041648"/>
+          </a:xfrm>
+        </p:spPr>
+        <p:txBody>
+          <a:bodyPr vert="horz" lIns="91440" tIns="45720" rIns="91440" bIns="45720" rtlCol="0" anchor="b">
+            <a:normAutofit/>
+          </a:bodyPr>
+          <a:lstStyle/>
+          <a:p>
+            <a:pPr>
+              <a:lnSpc>
+                <a:spcPct val="85000"/>
+              </a:lnSpc>
+            </a:pPr>
+            <a:r>
+              <a:rPr lang="en-US" dirty="0">
+                <a:solidFill>
+                  <a:srgbClr val="FFFFFF"/>
+                </a:solidFill>
+              </a:rPr>
+              <a:t>Design Class Diagram</a:t>
+            </a:r>
+          </a:p>
+        </p:txBody>
+      </p:sp>
     </p:spTree>
     <p:extLst>
       <p:ext uri="{BB962C8B-B14F-4D97-AF65-F5344CB8AC3E}">
-        <p14:creationId xmlns:p14="http://schemas.microsoft.com/office/powerpoint/2010/main" val="438136630"/>
+        <p14:creationId xmlns:p14="http://schemas.microsoft.com/office/powerpoint/2010/main" val="3488874206"/>
+      </p:ext>
+    </p:extLst>
+  </p:cSld>
+  <p:clrMapOvr>
+    <a:overrideClrMapping bg1="lt1" tx1="dk1" bg2="lt2" tx2="dk2" accent1="accent1" accent2="accent2" accent3="accent3" accent4="accent4" accent5="accent5" accent6="accent6" hlink="hlink" folHlink="folHlink"/>
+  </p:clrMapOvr>
+  <p:timing>
+    <p:tnLst>
+      <p:par>
+        <p:cTn id="1" dur="indefinite" restart="never" nodeType="tmRoot"/>
+      </p:par>
+    </p:tnLst>
+  </p:timing>
+</p:sld>
+</file>
+
+<file path=ppt/slides/slide5.xml><?xml version="1.0" encoding="utf-8"?>
+<p:sld xmlns:a="http://schemas.openxmlformats.org/drawingml/2006/main" xmlns:r="http://schemas.openxmlformats.org/officeDocument/2006/relationships" xmlns:p="http://schemas.openxmlformats.org/presentationml/2006/main">
+  <p:cSld>
+    <p:bg>
+      <p:bgPr>
+        <a:solidFill>
+          <a:schemeClr val="bg2">
+            <a:lumMod val="75000"/>
+          </a:schemeClr>
+        </a:solidFill>
+        <a:effectLst/>
+      </p:bgPr>
+    </p:bg>
+    <p:spTree>
+      <p:nvGrpSpPr>
+        <p:cNvPr id="1" name=""/>
+        <p:cNvGrpSpPr/>
+        <p:nvPr/>
+      </p:nvGrpSpPr>
+      <p:grpSpPr>
+        <a:xfrm>
+          <a:off x="0" y="0"/>
+          <a:ext cx="0" cy="0"/>
+          <a:chOff x="0" y="0"/>
+          <a:chExt cx="0" cy="0"/>
+        </a:xfrm>
+      </p:grpSpPr>
+      <p:sp>
+        <p:nvSpPr>
+          <p:cNvPr id="23" name="Rectangle 22">
+            <a:extLst>
+              <a:ext uri="{FF2B5EF4-FFF2-40B4-BE49-F238E27FC236}">
+                <a16:creationId xmlns:a16="http://schemas.microsoft.com/office/drawing/2014/main" xmlns="" id="{5D5E0904-721C-4D68-9EB8-1C9752E329A7}"/>
+              </a:ext>
+            </a:extLst>
+          </p:cNvPr>
+          <p:cNvSpPr>
+            <a:spLocks noGrp="1" noRot="1" noChangeAspect="1" noMove="1" noResize="1" noEditPoints="1" noAdjustHandles="1" noChangeArrowheads="1" noChangeShapeType="1" noTextEdit="1"/>
+          </p:cNvSpPr>
+          <p:nvPr>
+            <p:extLst>
+              <p:ext uri="{386F3935-93C4-4BCD-93E2-E3B085C9AB24}">
+                <p16:designElem xmlns:p16="http://schemas.microsoft.com/office/powerpoint/2015/main" val="1"/>
+              </p:ext>
+            </p:extLst>
+          </p:nvPr>
+        </p:nvSpPr>
+        <p:spPr>
+          <a:xfrm>
+            <a:off x="0" y="0"/>
+            <a:ext cx="457200" cy="6858000"/>
+          </a:xfrm>
+          <a:prstGeom prst="rect">
+            <a:avLst/>
+          </a:prstGeom>
+          <a:solidFill>
+            <a:schemeClr val="accent1"/>
+          </a:solidFill>
+          <a:ln>
+            <a:noFill/>
+          </a:ln>
+        </p:spPr>
+        <p:style>
+          <a:lnRef idx="2">
+            <a:schemeClr val="accent1">
+              <a:shade val="50000"/>
+            </a:schemeClr>
+          </a:lnRef>
+          <a:fillRef idx="1">
+            <a:schemeClr val="accent1"/>
+          </a:fillRef>
+          <a:effectRef idx="0">
+            <a:schemeClr val="accent1"/>
+          </a:effectRef>
+          <a:fontRef idx="minor">
+            <a:schemeClr val="lt1"/>
+          </a:fontRef>
+        </p:style>
+      </p:sp>
+      <p:pic>
+        <p:nvPicPr>
+          <p:cNvPr id="5" name="Picture 4" descr="v1%20-%20menu%20started.png"/>
+          <p:cNvPicPr/>
+          <p:nvPr/>
+        </p:nvPicPr>
+        <p:blipFill rotWithShape="1">
+          <a:blip r:embed="rId2">
+            <a:extLst>
+              <a:ext uri="{28A0092B-C50C-407E-A947-70E740481C1C}">
+                <a14:useLocalDpi xmlns:a14="http://schemas.microsoft.com/office/drawing/2010/main" val="0"/>
+              </a:ext>
+            </a:extLst>
+          </a:blip>
+          <a:srcRect/>
+          <a:stretch/>
+        </p:blipFill>
+        <p:spPr bwMode="auto">
+          <a:xfrm>
+            <a:off x="944183" y="639097"/>
+            <a:ext cx="9030980" cy="3612392"/>
+          </a:xfrm>
+          <a:prstGeom prst="rect">
+            <a:avLst/>
+          </a:prstGeom>
+          <a:noFill/>
+        </p:spPr>
+      </p:pic>
+      <p:sp>
+        <p:nvSpPr>
+          <p:cNvPr id="2" name="Title 1"/>
+          <p:cNvSpPr>
+            <a:spLocks noGrp="1"/>
+          </p:cNvSpPr>
+          <p:nvPr>
+            <p:ph type="title"/>
+          </p:nvPr>
+        </p:nvSpPr>
+        <p:spPr>
+          <a:xfrm>
+            <a:off x="944183" y="4624001"/>
+            <a:ext cx="10156435" cy="1152524"/>
+          </a:xfrm>
+        </p:spPr>
+        <p:txBody>
+          <a:bodyPr vert="horz" lIns="91440" tIns="45720" rIns="91440" bIns="45720" rtlCol="0" anchor="b">
+            <a:normAutofit/>
+          </a:bodyPr>
+          <a:lstStyle/>
+          <a:p>
+            <a:pPr>
+              <a:lnSpc>
+                <a:spcPct val="85000"/>
+              </a:lnSpc>
+            </a:pPr>
+            <a:r>
+              <a:rPr lang="en-US" sz="5400"/>
+              <a:t>GUI</a:t>
+            </a:r>
+          </a:p>
+        </p:txBody>
+      </p:sp>
+    </p:spTree>
+    <p:extLst>
+      <p:ext uri="{BB962C8B-B14F-4D97-AF65-F5344CB8AC3E}">
+        <p14:creationId xmlns:p14="http://schemas.microsoft.com/office/powerpoint/2010/main" val="965240913"/>
       </p:ext>
     </p:extLst>
   </p:cSld>
@@ -6275,75 +5391,7 @@
   <p:timing>
     <p:tnLst>
       <p:par>
-        <p:cTn id="1" dur="indefinite" restart="never" nodeType="tmRoot">
-          <p:childTnLst>
-            <p:seq concurrent="1" nextAc="seek">
-              <p:cTn id="2" dur="indefinite" nodeType="mainSeq">
-                <p:childTnLst>
-                  <p:par>
-                    <p:cTn id="3" fill="hold">
-                      <p:stCondLst>
-                        <p:cond delay="indefinite"/>
-                      </p:stCondLst>
-                      <p:childTnLst>
-                        <p:par>
-                          <p:cTn id="4" fill="hold">
-                            <p:stCondLst>
-                              <p:cond delay="0"/>
-                            </p:stCondLst>
-                            <p:childTnLst>
-                              <p:par>
-                                <p:cTn id="5" presetID="1" presetClass="entr" presetSubtype="0" fill="hold" nodeType="clickEffect">
-                                  <p:stCondLst>
-                                    <p:cond delay="0"/>
-                                  </p:stCondLst>
-                                  <p:childTnLst>
-                                    <p:set>
-                                      <p:cBhvr>
-                                        <p:cTn id="6" dur="1" fill="hold">
-                                          <p:stCondLst>
-                                            <p:cond delay="0"/>
-                                          </p:stCondLst>
-                                        </p:cTn>
-                                        <p:tgtEl>
-                                          <p:spTgt spid="4"/>
-                                        </p:tgtEl>
-                                        <p:attrNameLst>
-                                          <p:attrName>style.visibility</p:attrName>
-                                        </p:attrNameLst>
-                                      </p:cBhvr>
-                                      <p:to>
-                                        <p:strVal val="visible"/>
-                                      </p:to>
-                                    </p:set>
-                                  </p:childTnLst>
-                                </p:cTn>
-                              </p:par>
-                            </p:childTnLst>
-                          </p:cTn>
-                        </p:par>
-                      </p:childTnLst>
-                    </p:cTn>
-                  </p:par>
-                </p:childTnLst>
-              </p:cTn>
-              <p:prevCondLst>
-                <p:cond evt="onPrev" delay="0">
-                  <p:tgtEl>
-                    <p:sldTgt/>
-                  </p:tgtEl>
-                </p:cond>
-              </p:prevCondLst>
-              <p:nextCondLst>
-                <p:cond evt="onNext" delay="0">
-                  <p:tgtEl>
-                    <p:sldTgt/>
-                  </p:tgtEl>
-                </p:cond>
-              </p:nextCondLst>
-            </p:seq>
-          </p:childTnLst>
-        </p:cTn>
+        <p:cTn id="1" dur="indefinite" restart="never" nodeType="tmRoot"/>
       </p:par>
     </p:tnLst>
   </p:timing>
@@ -6367,266 +5415,12 @@
           <a:chExt cx="0" cy="0"/>
         </a:xfrm>
       </p:grpSpPr>
-      <p:sp>
-        <p:nvSpPr>
-          <p:cNvPr id="2" name="Title 1"/>
-          <p:cNvSpPr>
-            <a:spLocks noGrp="1"/>
-          </p:cNvSpPr>
-          <p:nvPr>
-            <p:ph type="title"/>
-          </p:nvPr>
-        </p:nvSpPr>
-        <p:spPr/>
-        <p:txBody>
-          <a:bodyPr/>
-          <a:lstStyle/>
-          <a:p>
-            <a:r>
-              <a:rPr lang="en-US" dirty="0"/>
-              <a:t>Sequence Diagram</a:t>
-            </a:r>
-          </a:p>
-        </p:txBody>
-      </p:sp>
-      <p:sp>
-        <p:nvSpPr>
-          <p:cNvPr id="3" name="Content Placeholder 2"/>
-          <p:cNvSpPr>
-            <a:spLocks noGrp="1"/>
-          </p:cNvSpPr>
-          <p:nvPr>
-            <p:ph idx="1"/>
-          </p:nvPr>
-        </p:nvSpPr>
-        <p:spPr/>
-        <p:txBody>
-          <a:bodyPr/>
-          <a:lstStyle/>
-          <a:p>
-            <a:pPr marL="0" marR="0" lvl="0" indent="0" defTabSz="914400" eaLnBrk="1" fontAlgn="auto" latinLnBrk="0" hangingPunct="1">
-              <a:lnSpc>
-                <a:spcPct val="100000"/>
-              </a:lnSpc>
-              <a:spcBef>
-                <a:spcPts val="0"/>
-              </a:spcBef>
-              <a:spcAft>
-                <a:spcPts val="0"/>
-              </a:spcAft>
-              <a:buClrTx/>
-              <a:buSzTx/>
-              <a:buFontTx/>
-              <a:buNone/>
-              <a:tabLst/>
-              <a:defRPr/>
-            </a:pPr>
-            <a:r>
-              <a:rPr lang="en-US" dirty="0"/>
-              <a:t>UC 1: Play Game and extending use cases </a:t>
-            </a:r>
-          </a:p>
-          <a:p>
-            <a:pPr marL="0" marR="0" lvl="0" indent="0" defTabSz="914400" eaLnBrk="1" fontAlgn="auto" latinLnBrk="0" hangingPunct="1">
-              <a:lnSpc>
-                <a:spcPct val="100000"/>
-              </a:lnSpc>
-              <a:spcBef>
-                <a:spcPts val="0"/>
-              </a:spcBef>
-              <a:spcAft>
-                <a:spcPts val="0"/>
-              </a:spcAft>
-              <a:buClrTx/>
-              <a:buSzTx/>
-              <a:buFontTx/>
-              <a:buNone/>
-              <a:tabLst/>
-              <a:defRPr/>
-            </a:pPr>
-            <a:r>
-              <a:rPr lang="en-US" dirty="0"/>
-              <a:t>described in a sequence diagram</a:t>
-            </a:r>
-          </a:p>
-        </p:txBody>
-      </p:sp>
-      <p:pic>
-        <p:nvPicPr>
-          <p:cNvPr id="5" name="Picture 4"/>
-          <p:cNvPicPr>
-            <a:picLocks noChangeAspect="1"/>
-          </p:cNvPicPr>
-          <p:nvPr/>
-        </p:nvPicPr>
-        <p:blipFill>
-          <a:blip r:embed="rId2">
-            <a:extLst>
-              <a:ext uri="{28A0092B-C50C-407E-A947-70E740481C1C}">
-                <a14:useLocalDpi xmlns:a14="http://schemas.microsoft.com/office/drawing/2010/main" val="0"/>
-              </a:ext>
-            </a:extLst>
-          </a:blip>
-          <a:stretch>
-            <a:fillRect/>
-          </a:stretch>
-        </p:blipFill>
-        <p:spPr>
-          <a:xfrm>
-            <a:off x="7201751" y="0"/>
-            <a:ext cx="4990249" cy="6858000"/>
-          </a:xfrm>
-          <a:prstGeom prst="rect">
-            <a:avLst/>
-          </a:prstGeom>
-        </p:spPr>
-      </p:pic>
-    </p:spTree>
-    <p:extLst>
-      <p:ext uri="{BB962C8B-B14F-4D97-AF65-F5344CB8AC3E}">
-        <p14:creationId xmlns:p14="http://schemas.microsoft.com/office/powerpoint/2010/main" val="445370023"/>
-      </p:ext>
-    </p:extLst>
-  </p:cSld>
-  <p:clrMapOvr>
-    <a:masterClrMapping/>
-  </p:clrMapOvr>
-  <p:timing>
-    <p:tnLst>
-      <p:par>
-        <p:cTn id="1" dur="indefinite" restart="never" nodeType="tmRoot">
-          <p:childTnLst>
-            <p:seq concurrent="1" nextAc="seek">
-              <p:cTn id="2" dur="indefinite" nodeType="mainSeq">
-                <p:childTnLst>
-                  <p:par>
-                    <p:cTn id="3" fill="hold">
-                      <p:stCondLst>
-                        <p:cond delay="indefinite"/>
-                      </p:stCondLst>
-                      <p:childTnLst>
-                        <p:par>
-                          <p:cTn id="4" fill="hold">
-                            <p:stCondLst>
-                              <p:cond delay="0"/>
-                            </p:stCondLst>
-                            <p:childTnLst>
-                              <p:par>
-                                <p:cTn id="5" presetID="1" presetClass="entr" presetSubtype="0" fill="hold" nodeType="clickEffect">
-                                  <p:stCondLst>
-                                    <p:cond delay="0"/>
-                                  </p:stCondLst>
-                                  <p:childTnLst>
-                                    <p:set>
-                                      <p:cBhvr>
-                                        <p:cTn id="6" dur="1" fill="hold">
-                                          <p:stCondLst>
-                                            <p:cond delay="0"/>
-                                          </p:stCondLst>
-                                        </p:cTn>
-                                        <p:tgtEl>
-                                          <p:spTgt spid="3">
-                                            <p:txEl>
-                                              <p:pRg st="0" end="0"/>
-                                            </p:txEl>
-                                          </p:spTgt>
-                                        </p:tgtEl>
-                                        <p:attrNameLst>
-                                          <p:attrName>style.visibility</p:attrName>
-                                        </p:attrNameLst>
-                                      </p:cBhvr>
-                                      <p:to>
-                                        <p:strVal val="visible"/>
-                                      </p:to>
-                                    </p:set>
-                                  </p:childTnLst>
-                                </p:cTn>
-                              </p:par>
-                              <p:par>
-                                <p:cTn id="7" presetID="1" presetClass="entr" presetSubtype="0" fill="hold" nodeType="withEffect">
-                                  <p:stCondLst>
-                                    <p:cond delay="0"/>
-                                  </p:stCondLst>
-                                  <p:childTnLst>
-                                    <p:set>
-                                      <p:cBhvr>
-                                        <p:cTn id="8" dur="1" fill="hold">
-                                          <p:stCondLst>
-                                            <p:cond delay="0"/>
-                                          </p:stCondLst>
-                                        </p:cTn>
-                                        <p:tgtEl>
-                                          <p:spTgt spid="3">
-                                            <p:txEl>
-                                              <p:pRg st="1" end="1"/>
-                                            </p:txEl>
-                                          </p:spTgt>
-                                        </p:tgtEl>
-                                        <p:attrNameLst>
-                                          <p:attrName>style.visibility</p:attrName>
-                                        </p:attrNameLst>
-                                      </p:cBhvr>
-                                      <p:to>
-                                        <p:strVal val="visible"/>
-                                      </p:to>
-                                    </p:set>
-                                  </p:childTnLst>
-                                </p:cTn>
-                              </p:par>
-                            </p:childTnLst>
-                          </p:cTn>
-                        </p:par>
-                      </p:childTnLst>
-                    </p:cTn>
-                  </p:par>
-                </p:childTnLst>
-              </p:cTn>
-              <p:prevCondLst>
-                <p:cond evt="onPrev" delay="0">
-                  <p:tgtEl>
-                    <p:sldTgt/>
-                  </p:tgtEl>
-                </p:cond>
-              </p:prevCondLst>
-              <p:nextCondLst>
-                <p:cond evt="onNext" delay="0">
-                  <p:tgtEl>
-                    <p:sldTgt/>
-                  </p:tgtEl>
-                </p:cond>
-              </p:nextCondLst>
-            </p:seq>
-          </p:childTnLst>
-        </p:cTn>
-      </p:par>
-    </p:tnLst>
-  </p:timing>
-</p:sld>
-</file>
-
-<file path=ppt/slides/slide7.xml><?xml version="1.0" encoding="utf-8"?>
-<p:sld xmlns:a="http://schemas.openxmlformats.org/drawingml/2006/main" xmlns:r="http://schemas.openxmlformats.org/officeDocument/2006/relationships" xmlns:p="http://schemas.openxmlformats.org/presentationml/2006/main">
-  <p:cSld>
-    <p:spTree>
-      <p:nvGrpSpPr>
-        <p:cNvPr id="1" name=""/>
-        <p:cNvGrpSpPr/>
-        <p:nvPr/>
-      </p:nvGrpSpPr>
-      <p:grpSpPr>
-        <a:xfrm>
-          <a:off x="0" y="0"/>
-          <a:ext cx="0" cy="0"/>
-          <a:chOff x="0" y="0"/>
-          <a:chExt cx="0" cy="0"/>
-        </a:xfrm>
-      </p:grpSpPr>
       <p:pic>
         <p:nvPicPr>
           <p:cNvPr id="8" name="Grafik 7">
             <a:extLst>
               <a:ext uri="{FF2B5EF4-FFF2-40B4-BE49-F238E27FC236}">
-                <a16:creationId xmlns:a16="http://schemas.microsoft.com/office/drawing/2014/main" id="{FEADF4F9-87B1-447B-A6E7-8A6D9620218C}"/>
+                <a16:creationId xmlns:a16="http://schemas.microsoft.com/office/drawing/2014/main" xmlns="" id="{FEADF4F9-87B1-447B-A6E7-8A6D9620218C}"/>
               </a:ext>
             </a:extLst>
           </p:cNvPr>
@@ -6698,10 +5492,17 @@
   <p:clrMapOvr>
     <a:masterClrMapping/>
   </p:clrMapOvr>
+  <p:timing>
+    <p:tnLst>
+      <p:par>
+        <p:cTn id="1" dur="indefinite" restart="never" nodeType="tmRoot"/>
+      </p:par>
+    </p:tnLst>
+  </p:timing>
 </p:sld>
 </file>
 
-<file path=ppt/slides/slide8.xml><?xml version="1.0" encoding="utf-8"?>
+<file path=ppt/slides/slide7.xml><?xml version="1.0" encoding="utf-8"?>
 <p:sld xmlns:a="http://schemas.openxmlformats.org/drawingml/2006/main" xmlns:r="http://schemas.openxmlformats.org/officeDocument/2006/relationships" xmlns:p="http://schemas.openxmlformats.org/presentationml/2006/main">
   <p:cSld>
     <p:spTree>
@@ -6723,7 +5524,7 @@
           <p:cNvPr id="8" name="Grafik 7">
             <a:extLst>
               <a:ext uri="{FF2B5EF4-FFF2-40B4-BE49-F238E27FC236}">
-                <a16:creationId xmlns:a16="http://schemas.microsoft.com/office/drawing/2014/main" id="{FEADF4F9-87B1-447B-A6E7-8A6D9620218C}"/>
+                <a16:creationId xmlns:a16="http://schemas.microsoft.com/office/drawing/2014/main" xmlns="" id="{FEADF4F9-87B1-447B-A6E7-8A6D9620218C}"/>
               </a:ext>
             </a:extLst>
           </p:cNvPr>

--- a/documents/milestone3/Project Design Presentation.pptx
+++ b/documents/milestone3/Project Design Presentation.pptx
@@ -117,6 +117,9 @@
     <p:ext uri="{EFAFB233-063F-42B5-8137-9DF3F51BA10A}">
       <p15:sldGuideLst xmlns:p15="http://schemas.microsoft.com/office/powerpoint/2012/main"/>
     </p:ext>
+    <p:ext uri="{2D200454-40CA-4A62-9FC3-DE9A4176ACB9}">
+      <p15:notesGuideLst xmlns:p15="http://schemas.microsoft.com/office/powerpoint/2012/main"/>
+    </p:ext>
   </p:extLst>
 </p:presentation>
 </file>
@@ -207,7 +210,7 @@
           <a:p>
             <a:fld id="{996702D7-FFC7-4541-8679-A800B838F073}" type="datetimeFigureOut">
               <a:rPr lang="en-US" smtClean="0"/>
-              <a:t>11/20/17</a:t>
+              <a:t>11/20/2017</a:t>
             </a:fld>
             <a:endParaRPr lang="en-US"/>
           </a:p>
@@ -365,7 +368,7 @@
           <a:p>
             <a:fld id="{A4838B1D-A33A-4C45-A183-851BF801C5ED}" type="slidenum">
               <a:rPr lang="en-US" smtClean="0"/>
-              <a:t>‹#›</a:t>
+              <a:t>‹Nr.›</a:t>
             </a:fld>
             <a:endParaRPr lang="en-US"/>
           </a:p>
@@ -716,7 +719,7 @@
           <a:p>
             <a:fld id="{92B3D0C1-4C55-4174-ACB6-FE14EF983A6D}" type="datetimeFigureOut">
               <a:rPr lang="de-CH" smtClean="0"/>
-              <a:t>20.11.17</a:t>
+              <a:t>20.11.2017</a:t>
             </a:fld>
             <a:endParaRPr lang="de-CH"/>
           </a:p>
@@ -778,7 +781,7 @@
           <a:p>
             <a:fld id="{216A1CAF-9D75-4D9A-A163-4634AE7ED004}" type="slidenum">
               <a:rPr lang="de-CH" smtClean="0"/>
-              <a:t>‹#›</a:t>
+              <a:t>‹Nr.›</a:t>
             </a:fld>
             <a:endParaRPr lang="de-CH"/>
           </a:p>
@@ -944,7 +947,7 @@
           <a:p>
             <a:fld id="{92B3D0C1-4C55-4174-ACB6-FE14EF983A6D}" type="datetimeFigureOut">
               <a:rPr lang="de-CH" smtClean="0"/>
-              <a:t>20.11.17</a:t>
+              <a:t>20.11.2017</a:t>
             </a:fld>
             <a:endParaRPr lang="de-CH"/>
           </a:p>
@@ -986,7 +989,7 @@
           <a:p>
             <a:fld id="{216A1CAF-9D75-4D9A-A163-4634AE7ED004}" type="slidenum">
               <a:rPr lang="de-CH" smtClean="0"/>
-              <a:t>‹#›</a:t>
+              <a:t>‹Nr.›</a:t>
             </a:fld>
             <a:endParaRPr lang="de-CH"/>
           </a:p>
@@ -1124,7 +1127,7 @@
           <a:p>
             <a:fld id="{92B3D0C1-4C55-4174-ACB6-FE14EF983A6D}" type="datetimeFigureOut">
               <a:rPr lang="de-CH" smtClean="0"/>
-              <a:t>20.11.17</a:t>
+              <a:t>20.11.2017</a:t>
             </a:fld>
             <a:endParaRPr lang="de-CH"/>
           </a:p>
@@ -1166,7 +1169,7 @@
           <a:p>
             <a:fld id="{216A1CAF-9D75-4D9A-A163-4634AE7ED004}" type="slidenum">
               <a:rPr lang="de-CH" smtClean="0"/>
-              <a:t>‹#›</a:t>
+              <a:t>‹Nr.›</a:t>
             </a:fld>
             <a:endParaRPr lang="de-CH"/>
           </a:p>
@@ -1294,7 +1297,7 @@
           <a:p>
             <a:fld id="{92B3D0C1-4C55-4174-ACB6-FE14EF983A6D}" type="datetimeFigureOut">
               <a:rPr lang="de-CH" smtClean="0"/>
-              <a:t>20.11.17</a:t>
+              <a:t>20.11.2017</a:t>
             </a:fld>
             <a:endParaRPr lang="de-CH"/>
           </a:p>
@@ -1336,7 +1339,7 @@
           <a:p>
             <a:fld id="{216A1CAF-9D75-4D9A-A163-4634AE7ED004}" type="slidenum">
               <a:rPr lang="de-CH" smtClean="0"/>
-              <a:t>‹#›</a:t>
+              <a:t>‹Nr.›</a:t>
             </a:fld>
             <a:endParaRPr lang="de-CH"/>
           </a:p>
@@ -1548,7 +1551,7 @@
           <a:p>
             <a:fld id="{92B3D0C1-4C55-4174-ACB6-FE14EF983A6D}" type="datetimeFigureOut">
               <a:rPr lang="de-CH" smtClean="0"/>
-              <a:t>20.11.17</a:t>
+              <a:t>20.11.2017</a:t>
             </a:fld>
             <a:endParaRPr lang="de-CH"/>
           </a:p>
@@ -1590,7 +1593,7 @@
           <a:p>
             <a:fld id="{216A1CAF-9D75-4D9A-A163-4634AE7ED004}" type="slidenum">
               <a:rPr lang="de-CH" smtClean="0"/>
-              <a:t>‹#›</a:t>
+              <a:t>‹Nr.›</a:t>
             </a:fld>
             <a:endParaRPr lang="de-CH"/>
           </a:p>
@@ -1874,7 +1877,7 @@
           <a:p>
             <a:fld id="{92B3D0C1-4C55-4174-ACB6-FE14EF983A6D}" type="datetimeFigureOut">
               <a:rPr lang="de-CH" smtClean="0"/>
-              <a:t>20.11.17</a:t>
+              <a:t>20.11.2017</a:t>
             </a:fld>
             <a:endParaRPr lang="de-CH"/>
           </a:p>
@@ -1916,7 +1919,7 @@
           <a:p>
             <a:fld id="{216A1CAF-9D75-4D9A-A163-4634AE7ED004}" type="slidenum">
               <a:rPr lang="de-CH" smtClean="0"/>
-              <a:t>‹#›</a:t>
+              <a:t>‹Nr.›</a:t>
             </a:fld>
             <a:endParaRPr lang="de-CH"/>
           </a:p>
@@ -2325,7 +2328,7 @@
           <a:p>
             <a:fld id="{92B3D0C1-4C55-4174-ACB6-FE14EF983A6D}" type="datetimeFigureOut">
               <a:rPr lang="de-CH" smtClean="0"/>
-              <a:t>20.11.17</a:t>
+              <a:t>20.11.2017</a:t>
             </a:fld>
             <a:endParaRPr lang="de-CH"/>
           </a:p>
@@ -2367,7 +2370,7 @@
           <a:p>
             <a:fld id="{216A1CAF-9D75-4D9A-A163-4634AE7ED004}" type="slidenum">
               <a:rPr lang="de-CH" smtClean="0"/>
-              <a:t>‹#›</a:t>
+              <a:t>‹Nr.›</a:t>
             </a:fld>
             <a:endParaRPr lang="de-CH"/>
           </a:p>
@@ -2443,7 +2446,7 @@
           <a:p>
             <a:fld id="{92B3D0C1-4C55-4174-ACB6-FE14EF983A6D}" type="datetimeFigureOut">
               <a:rPr lang="de-CH" smtClean="0"/>
-              <a:t>20.11.17</a:t>
+              <a:t>20.11.2017</a:t>
             </a:fld>
             <a:endParaRPr lang="de-CH"/>
           </a:p>
@@ -2485,7 +2488,7 @@
           <a:p>
             <a:fld id="{216A1CAF-9D75-4D9A-A163-4634AE7ED004}" type="slidenum">
               <a:rPr lang="de-CH" smtClean="0"/>
-              <a:t>‹#›</a:t>
+              <a:t>‹Nr.›</a:t>
             </a:fld>
             <a:endParaRPr lang="de-CH"/>
           </a:p>
@@ -2538,7 +2541,7 @@
           <a:p>
             <a:fld id="{92B3D0C1-4C55-4174-ACB6-FE14EF983A6D}" type="datetimeFigureOut">
               <a:rPr lang="de-CH" smtClean="0"/>
-              <a:t>20.11.17</a:t>
+              <a:t>20.11.2017</a:t>
             </a:fld>
             <a:endParaRPr lang="de-CH"/>
           </a:p>
@@ -2580,7 +2583,7 @@
           <a:p>
             <a:fld id="{216A1CAF-9D75-4D9A-A163-4634AE7ED004}" type="slidenum">
               <a:rPr lang="de-CH" smtClean="0"/>
-              <a:t>‹#›</a:t>
+              <a:t>‹Nr.›</a:t>
             </a:fld>
             <a:endParaRPr lang="de-CH"/>
           </a:p>
@@ -2825,7 +2828,7 @@
           <a:p>
             <a:fld id="{92B3D0C1-4C55-4174-ACB6-FE14EF983A6D}" type="datetimeFigureOut">
               <a:rPr lang="de-CH" smtClean="0"/>
-              <a:t>20.11.17</a:t>
+              <a:t>20.11.2017</a:t>
             </a:fld>
             <a:endParaRPr lang="de-CH"/>
           </a:p>
@@ -2867,7 +2870,7 @@
           <a:p>
             <a:fld id="{216A1CAF-9D75-4D9A-A163-4634AE7ED004}" type="slidenum">
               <a:rPr lang="de-CH" smtClean="0"/>
-              <a:t>‹#›</a:t>
+              <a:t>‹Nr.›</a:t>
             </a:fld>
             <a:endParaRPr lang="de-CH"/>
           </a:p>
@@ -3150,7 +3153,7 @@
           <a:p>
             <a:fld id="{92B3D0C1-4C55-4174-ACB6-FE14EF983A6D}" type="datetimeFigureOut">
               <a:rPr lang="de-CH" smtClean="0"/>
-              <a:t>20.11.17</a:t>
+              <a:t>20.11.2017</a:t>
             </a:fld>
             <a:endParaRPr lang="de-CH"/>
           </a:p>
@@ -3192,7 +3195,7 @@
           <a:p>
             <a:fld id="{216A1CAF-9D75-4D9A-A163-4634AE7ED004}" type="slidenum">
               <a:rPr lang="de-CH" smtClean="0"/>
-              <a:t>‹#›</a:t>
+              <a:t>‹Nr.›</a:t>
             </a:fld>
             <a:endParaRPr lang="de-CH"/>
           </a:p>
@@ -3404,7 +3407,7 @@
           <a:p>
             <a:fld id="{92B3D0C1-4C55-4174-ACB6-FE14EF983A6D}" type="datetimeFigureOut">
               <a:rPr lang="de-CH" smtClean="0"/>
-              <a:t>20.11.17</a:t>
+              <a:t>20.11.2017</a:t>
             </a:fld>
             <a:endParaRPr lang="de-CH"/>
           </a:p>
@@ -3486,7 +3489,7 @@
           <a:p>
             <a:fld id="{216A1CAF-9D75-4D9A-A163-4634AE7ED004}" type="slidenum">
               <a:rPr lang="de-CH" smtClean="0"/>
-              <a:t>‹#›</a:t>
+              <a:t>‹Nr.›</a:t>
             </a:fld>
             <a:endParaRPr lang="de-CH"/>
           </a:p>
@@ -3897,7 +3900,7 @@
           <p:cNvPr id="5" name="Grafik 4">
             <a:extLst>
               <a:ext uri="{FF2B5EF4-FFF2-40B4-BE49-F238E27FC236}">
-                <a16:creationId xmlns:a16="http://schemas.microsoft.com/office/drawing/2014/main" xmlns="" id="{3CCF4D3B-7A0F-4753-9950-8C3AFE3346D9}"/>
+                <a16:creationId xmlns:a16="http://schemas.microsoft.com/office/drawing/2014/main" id="{3CCF4D3B-7A0F-4753-9950-8C3AFE3346D9}"/>
               </a:ext>
             </a:extLst>
           </p:cNvPr>
@@ -4091,49 +4094,41 @@
           <a:lstStyle/>
           <a:p>
             <a:r>
-              <a:rPr lang="en-US" dirty="0" smtClean="0"/>
+              <a:rPr lang="en-US" dirty="0"/>
               <a:t>Just finished iteration #4</a:t>
             </a:r>
           </a:p>
           <a:p>
             <a:pPr lvl="1"/>
             <a:r>
-              <a:rPr lang="en-US" dirty="0" smtClean="0"/>
+              <a:rPr lang="en-US" dirty="0"/>
               <a:t>Finish project design, implement game loop and map class capable of loading map from file</a:t>
             </a:r>
           </a:p>
           <a:p>
             <a:r>
-              <a:rPr lang="en-US" dirty="0" smtClean="0"/>
+              <a:rPr lang="en-US" dirty="0"/>
               <a:t>Effective time expenditures for iteration #4 in expected ranges</a:t>
             </a:r>
-            <a:endParaRPr lang="en-US" dirty="0"/>
-          </a:p>
-          <a:p>
-            <a:r>
-              <a:rPr lang="en-US" dirty="0" smtClean="0"/>
+          </a:p>
+          <a:p>
+            <a:r>
+              <a:rPr lang="en-US" dirty="0"/>
               <a:t>No major changes in the risks</a:t>
             </a:r>
-            <a:endParaRPr lang="en-US" dirty="0"/>
           </a:p>
           <a:p>
             <a:r>
               <a:rPr lang="en-US" dirty="0"/>
-              <a:t>Next up in iteration </a:t>
-            </a:r>
-            <a:r>
-              <a:rPr lang="en-US" dirty="0" smtClean="0"/>
-              <a:t>#5:</a:t>
-            </a:r>
-            <a:endParaRPr lang="en-US" dirty="0"/>
+              <a:t>Next up in iteration #5:</a:t>
+            </a:r>
           </a:p>
           <a:p>
             <a:pPr lvl="1"/>
             <a:r>
-              <a:rPr lang="en-US" dirty="0" smtClean="0"/>
+              <a:rPr lang="en-US" dirty="0"/>
               <a:t>UC 1: Play Game implemented (though without some features like upgrading towers)</a:t>
             </a:r>
-            <a:endParaRPr lang="en-US" dirty="0"/>
           </a:p>
         </p:txBody>
       </p:sp>
@@ -4486,7 +4481,7 @@
           <p:cNvPr id="12" name="Rectangle 11">
             <a:extLst>
               <a:ext uri="{FF2B5EF4-FFF2-40B4-BE49-F238E27FC236}">
-                <a16:creationId xmlns:a16="http://schemas.microsoft.com/office/drawing/2014/main" xmlns="" id="{5D5E0904-721C-4D68-9EB8-1C9752E329A7}"/>
+                <a16:creationId xmlns:a16="http://schemas.microsoft.com/office/drawing/2014/main" id="{5D5E0904-721C-4D68-9EB8-1C9752E329A7}"/>
               </a:ext>
             </a:extLst>
           </p:cNvPr>
@@ -4538,7 +4533,7 @@
           <p:cNvPr id="14" name="Rectangle 13">
             <a:extLst>
               <a:ext uri="{FF2B5EF4-FFF2-40B4-BE49-F238E27FC236}">
-                <a16:creationId xmlns:a16="http://schemas.microsoft.com/office/drawing/2014/main" xmlns="" id="{121F5E60-4E89-4B16-A245-12BD9935998D}"/>
+                <a16:creationId xmlns:a16="http://schemas.microsoft.com/office/drawing/2014/main" id="{121F5E60-4E89-4B16-A245-12BD9935998D}"/>
               </a:ext>
             </a:extLst>
           </p:cNvPr>
@@ -4598,7 +4593,7 @@
           <p:cNvPr id="16" name="Rectangle 15">
             <a:extLst>
               <a:ext uri="{FF2B5EF4-FFF2-40B4-BE49-F238E27FC236}">
-                <a16:creationId xmlns:a16="http://schemas.microsoft.com/office/drawing/2014/main" xmlns="" id="{B298ECBA-3258-45DF-8FD4-7581736BCCBC}"/>
+                <a16:creationId xmlns:a16="http://schemas.microsoft.com/office/drawing/2014/main" id="{B298ECBA-3258-45DF-8FD4-7581736BCCBC}"/>
               </a:ext>
             </a:extLst>
           </p:cNvPr>
@@ -4658,7 +4653,7 @@
           <p:cNvPr id="18" name="Rectangle 17">
             <a:extLst>
               <a:ext uri="{FF2B5EF4-FFF2-40B4-BE49-F238E27FC236}">
-                <a16:creationId xmlns:a16="http://schemas.microsoft.com/office/drawing/2014/main" xmlns="" id="{B62BF453-BD82-4B90-9FE7-51703133806E}"/>
+                <a16:creationId xmlns:a16="http://schemas.microsoft.com/office/drawing/2014/main" id="{B62BF453-BD82-4B90-9FE7-51703133806E}"/>
               </a:ext>
             </a:extLst>
           </p:cNvPr>
@@ -4710,7 +4705,7 @@
           <p:cNvPr id="20" name="Rectangle 19">
             <a:extLst>
               <a:ext uri="{FF2B5EF4-FFF2-40B4-BE49-F238E27FC236}">
-                <a16:creationId xmlns:a16="http://schemas.microsoft.com/office/drawing/2014/main" xmlns="" id="{072366D3-9B5C-42E1-9906-77FF6BB55EAB}"/>
+                <a16:creationId xmlns:a16="http://schemas.microsoft.com/office/drawing/2014/main" id="{072366D3-9B5C-42E1-9906-77FF6BB55EAB}"/>
               </a:ext>
             </a:extLst>
           </p:cNvPr>
@@ -4873,7 +4868,7 @@
           <p:cNvPr id="12" name="Rectangle 11">
             <a:extLst>
               <a:ext uri="{FF2B5EF4-FFF2-40B4-BE49-F238E27FC236}">
-                <a16:creationId xmlns:a16="http://schemas.microsoft.com/office/drawing/2014/main" xmlns="" id="{5D5E0904-721C-4D68-9EB8-1C9752E329A7}"/>
+                <a16:creationId xmlns:a16="http://schemas.microsoft.com/office/drawing/2014/main" id="{5D5E0904-721C-4D68-9EB8-1C9752E329A7}"/>
               </a:ext>
             </a:extLst>
           </p:cNvPr>
@@ -4925,7 +4920,7 @@
           <p:cNvPr id="14" name="Rectangle 13">
             <a:extLst>
               <a:ext uri="{FF2B5EF4-FFF2-40B4-BE49-F238E27FC236}">
-                <a16:creationId xmlns:a16="http://schemas.microsoft.com/office/drawing/2014/main" xmlns="" id="{121F5E60-4E89-4B16-A245-12BD9935998D}"/>
+                <a16:creationId xmlns:a16="http://schemas.microsoft.com/office/drawing/2014/main" id="{121F5E60-4E89-4B16-A245-12BD9935998D}"/>
               </a:ext>
             </a:extLst>
           </p:cNvPr>
@@ -4985,7 +4980,7 @@
           <p:cNvPr id="16" name="Rectangle 15">
             <a:extLst>
               <a:ext uri="{FF2B5EF4-FFF2-40B4-BE49-F238E27FC236}">
-                <a16:creationId xmlns:a16="http://schemas.microsoft.com/office/drawing/2014/main" xmlns="" id="{B298ECBA-3258-45DF-8FD4-7581736BCCBC}"/>
+                <a16:creationId xmlns:a16="http://schemas.microsoft.com/office/drawing/2014/main" id="{B298ECBA-3258-45DF-8FD4-7581736BCCBC}"/>
               </a:ext>
             </a:extLst>
           </p:cNvPr>
@@ -5045,7 +5040,7 @@
           <p:cNvPr id="18" name="Rectangle 17">
             <a:extLst>
               <a:ext uri="{FF2B5EF4-FFF2-40B4-BE49-F238E27FC236}">
-                <a16:creationId xmlns:a16="http://schemas.microsoft.com/office/drawing/2014/main" xmlns="" id="{B62BF453-BD82-4B90-9FE7-51703133806E}"/>
+                <a16:creationId xmlns:a16="http://schemas.microsoft.com/office/drawing/2014/main" id="{B62BF453-BD82-4B90-9FE7-51703133806E}"/>
               </a:ext>
             </a:extLst>
           </p:cNvPr>
@@ -5097,7 +5092,7 @@
           <p:cNvPr id="20" name="Rectangle 19">
             <a:extLst>
               <a:ext uri="{FF2B5EF4-FFF2-40B4-BE49-F238E27FC236}">
-                <a16:creationId xmlns:a16="http://schemas.microsoft.com/office/drawing/2014/main" xmlns="" id="{072366D3-9B5C-42E1-9906-77FF6BB55EAB}"/>
+                <a16:creationId xmlns:a16="http://schemas.microsoft.com/office/drawing/2014/main" id="{072366D3-9B5C-42E1-9906-77FF6BB55EAB}"/>
               </a:ext>
             </a:extLst>
           </p:cNvPr>
@@ -5149,10 +5144,56 @@
           </a:p>
         </p:txBody>
       </p:sp>
+      <p:sp>
+        <p:nvSpPr>
+          <p:cNvPr id="2" name="Title 1"/>
+          <p:cNvSpPr>
+            <a:spLocks noGrp="1"/>
+          </p:cNvSpPr>
+          <p:nvPr>
+            <p:ph type="title"/>
+          </p:nvPr>
+        </p:nvSpPr>
+        <p:spPr>
+          <a:xfrm>
+            <a:off x="8940226" y="1404932"/>
+            <a:ext cx="2802194" cy="4041648"/>
+          </a:xfrm>
+        </p:spPr>
+        <p:txBody>
+          <a:bodyPr vert="horz" lIns="91440" tIns="45720" rIns="91440" bIns="45720" rtlCol="0" anchor="b">
+            <a:normAutofit/>
+          </a:bodyPr>
+          <a:lstStyle/>
+          <a:p>
+            <a:pPr>
+              <a:lnSpc>
+                <a:spcPct val="85000"/>
+              </a:lnSpc>
+            </a:pPr>
+            <a:r>
+              <a:rPr lang="en-US" dirty="0">
+                <a:solidFill>
+                  <a:srgbClr val="FFFFFF"/>
+                </a:solidFill>
+              </a:rPr>
+              <a:t>Design Class Diagram</a:t>
+            </a:r>
+          </a:p>
+        </p:txBody>
+      </p:sp>
       <p:pic>
         <p:nvPicPr>
-          <p:cNvPr id="7" name="Grafik 8"/>
-          <p:cNvPicPr/>
+          <p:cNvPr id="6" name="Grafik 5">
+            <a:extLst>
+              <a:ext uri="{FF2B5EF4-FFF2-40B4-BE49-F238E27FC236}">
+                <a16:creationId xmlns:a16="http://schemas.microsoft.com/office/drawing/2014/main" id="{4DFAB5F5-3E8B-417F-A289-152964A0A1C4}"/>
+              </a:ext>
+            </a:extLst>
+          </p:cNvPr>
+          <p:cNvPicPr>
+            <a:picLocks noChangeAspect="1"/>
+          </p:cNvPicPr>
           <p:nvPr/>
         </p:nvPicPr>
         <p:blipFill>
@@ -5163,60 +5204,20 @@
               </a:ext>
             </a:extLst>
           </a:blip>
-          <a:srcRect/>
           <a:stretch>
             <a:fillRect/>
           </a:stretch>
         </p:blipFill>
-        <p:spPr bwMode="auto">
+        <p:spPr>
           <a:xfrm>
-            <a:off x="462117" y="758952"/>
-            <a:ext cx="7449983" cy="5177738"/>
+            <a:off x="457200" y="0"/>
+            <a:ext cx="8198662" cy="6858000"/>
           </a:xfrm>
           <a:prstGeom prst="rect">
             <a:avLst/>
           </a:prstGeom>
-          <a:noFill/>
         </p:spPr>
       </p:pic>
-      <p:sp>
-        <p:nvSpPr>
-          <p:cNvPr id="2" name="Title 1"/>
-          <p:cNvSpPr>
-            <a:spLocks noGrp="1"/>
-          </p:cNvSpPr>
-          <p:nvPr>
-            <p:ph type="title"/>
-          </p:nvPr>
-        </p:nvSpPr>
-        <p:spPr>
-          <a:xfrm>
-            <a:off x="8318090" y="758952"/>
-            <a:ext cx="2802194" cy="4041648"/>
-          </a:xfrm>
-        </p:spPr>
-        <p:txBody>
-          <a:bodyPr vert="horz" lIns="91440" tIns="45720" rIns="91440" bIns="45720" rtlCol="0" anchor="b">
-            <a:normAutofit/>
-          </a:bodyPr>
-          <a:lstStyle/>
-          <a:p>
-            <a:pPr>
-              <a:lnSpc>
-                <a:spcPct val="85000"/>
-              </a:lnSpc>
-            </a:pPr>
-            <a:r>
-              <a:rPr lang="en-US" dirty="0">
-                <a:solidFill>
-                  <a:srgbClr val="FFFFFF"/>
-                </a:solidFill>
-              </a:rPr>
-              <a:t>Design Class Diagram</a:t>
-            </a:r>
-          </a:p>
-        </p:txBody>
-      </p:sp>
     </p:spTree>
     <p:extLst>
       <p:ext uri="{BB962C8B-B14F-4D97-AF65-F5344CB8AC3E}">
@@ -5227,13 +5228,6 @@
   <p:clrMapOvr>
     <a:overrideClrMapping bg1="lt1" tx1="dk1" bg2="lt2" tx2="dk2" accent1="accent1" accent2="accent2" accent3="accent3" accent4="accent4" accent5="accent5" accent6="accent6" hlink="hlink" folHlink="folHlink"/>
   </p:clrMapOvr>
-  <p:timing>
-    <p:tnLst>
-      <p:par>
-        <p:cTn id="1" dur="indefinite" restart="never" nodeType="tmRoot"/>
-      </p:par>
-    </p:tnLst>
-  </p:timing>
 </p:sld>
 </file>
 
@@ -5269,7 +5263,7 @@
           <p:cNvPr id="23" name="Rectangle 22">
             <a:extLst>
               <a:ext uri="{FF2B5EF4-FFF2-40B4-BE49-F238E27FC236}">
-                <a16:creationId xmlns:a16="http://schemas.microsoft.com/office/drawing/2014/main" xmlns="" id="{5D5E0904-721C-4D68-9EB8-1C9752E329A7}"/>
+                <a16:creationId xmlns:a16="http://schemas.microsoft.com/office/drawing/2014/main" id="{5D5E0904-721C-4D68-9EB8-1C9752E329A7}"/>
               </a:ext>
             </a:extLst>
           </p:cNvPr>
@@ -5388,13 +5382,6 @@
   <p:clrMapOvr>
     <a:masterClrMapping/>
   </p:clrMapOvr>
-  <p:timing>
-    <p:tnLst>
-      <p:par>
-        <p:cTn id="1" dur="indefinite" restart="never" nodeType="tmRoot"/>
-      </p:par>
-    </p:tnLst>
-  </p:timing>
 </p:sld>
 </file>
 
@@ -5420,7 +5407,7 @@
           <p:cNvPr id="8" name="Grafik 7">
             <a:extLst>
               <a:ext uri="{FF2B5EF4-FFF2-40B4-BE49-F238E27FC236}">
-                <a16:creationId xmlns:a16="http://schemas.microsoft.com/office/drawing/2014/main" xmlns="" id="{FEADF4F9-87B1-447B-A6E7-8A6D9620218C}"/>
+                <a16:creationId xmlns:a16="http://schemas.microsoft.com/office/drawing/2014/main" id="{FEADF4F9-87B1-447B-A6E7-8A6D9620218C}"/>
               </a:ext>
             </a:extLst>
           </p:cNvPr>
@@ -5492,13 +5479,6 @@
   <p:clrMapOvr>
     <a:masterClrMapping/>
   </p:clrMapOvr>
-  <p:timing>
-    <p:tnLst>
-      <p:par>
-        <p:cTn id="1" dur="indefinite" restart="never" nodeType="tmRoot"/>
-      </p:par>
-    </p:tnLst>
-  </p:timing>
 </p:sld>
 </file>
 
@@ -5524,7 +5504,7 @@
           <p:cNvPr id="8" name="Grafik 7">
             <a:extLst>
               <a:ext uri="{FF2B5EF4-FFF2-40B4-BE49-F238E27FC236}">
-                <a16:creationId xmlns:a16="http://schemas.microsoft.com/office/drawing/2014/main" xmlns="" id="{FEADF4F9-87B1-447B-A6E7-8A6D9620218C}"/>
+                <a16:creationId xmlns:a16="http://schemas.microsoft.com/office/drawing/2014/main" id="{FEADF4F9-87B1-447B-A6E7-8A6D9620218C}"/>
               </a:ext>
             </a:extLst>
           </p:cNvPr>
